--- a/images/Whack a mole.pptx
+++ b/images/Whack a mole.pptx
@@ -5,11 +5,12 @@
     <p:sldMasterId id="2147483648" r:id="rId1"/>
   </p:sldMasterIdLst>
   <p:notesMasterIdLst>
-    <p:notesMasterId r:id="rId4"/>
+    <p:notesMasterId r:id="rId5"/>
   </p:notesMasterIdLst>
   <p:sldIdLst>
     <p:sldId id="256" r:id="rId2"/>
     <p:sldId id="257" r:id="rId3"/>
+    <p:sldId id="258" r:id="rId4"/>
   </p:sldIdLst>
   <p:sldSz cx="12192000" cy="6858000"/>
   <p:notesSz cx="6858000" cy="9144000"/>
@@ -198,7 +199,7 @@
           <a:p>
             <a:fld id="{F8124032-DB74-4B24-9D6C-0DB73E286C2C}" type="datetimeFigureOut">
               <a:rPr lang="en-GB" smtClean="0"/>
-              <a:t>11/02/2020</a:t>
+              <a:t>12/02/2020</a:t>
             </a:fld>
             <a:endParaRPr lang="en-GB"/>
           </a:p>
@@ -685,7 +686,7 @@
           <a:p>
             <a:fld id="{AD5A3EC8-63D0-49CB-ABB2-40C0A298F0AD}" type="datetimeFigureOut">
               <a:rPr lang="en-GB" smtClean="0"/>
-              <a:t>11/02/2020</a:t>
+              <a:t>12/02/2020</a:t>
             </a:fld>
             <a:endParaRPr lang="en-GB"/>
           </a:p>
@@ -855,7 +856,7 @@
           <a:p>
             <a:fld id="{AD5A3EC8-63D0-49CB-ABB2-40C0A298F0AD}" type="datetimeFigureOut">
               <a:rPr lang="en-GB" smtClean="0"/>
-              <a:t>11/02/2020</a:t>
+              <a:t>12/02/2020</a:t>
             </a:fld>
             <a:endParaRPr lang="en-GB"/>
           </a:p>
@@ -1035,7 +1036,7 @@
           <a:p>
             <a:fld id="{AD5A3EC8-63D0-49CB-ABB2-40C0A298F0AD}" type="datetimeFigureOut">
               <a:rPr lang="en-GB" smtClean="0"/>
-              <a:t>11/02/2020</a:t>
+              <a:t>12/02/2020</a:t>
             </a:fld>
             <a:endParaRPr lang="en-GB"/>
           </a:p>
@@ -1205,7 +1206,7 @@
           <a:p>
             <a:fld id="{AD5A3EC8-63D0-49CB-ABB2-40C0A298F0AD}" type="datetimeFigureOut">
               <a:rPr lang="en-GB" smtClean="0"/>
-              <a:t>11/02/2020</a:t>
+              <a:t>12/02/2020</a:t>
             </a:fld>
             <a:endParaRPr lang="en-GB"/>
           </a:p>
@@ -1451,7 +1452,7 @@
           <a:p>
             <a:fld id="{AD5A3EC8-63D0-49CB-ABB2-40C0A298F0AD}" type="datetimeFigureOut">
               <a:rPr lang="en-GB" smtClean="0"/>
-              <a:t>11/02/2020</a:t>
+              <a:t>12/02/2020</a:t>
             </a:fld>
             <a:endParaRPr lang="en-GB"/>
           </a:p>
@@ -1683,7 +1684,7 @@
           <a:p>
             <a:fld id="{AD5A3EC8-63D0-49CB-ABB2-40C0A298F0AD}" type="datetimeFigureOut">
               <a:rPr lang="en-GB" smtClean="0"/>
-              <a:t>11/02/2020</a:t>
+              <a:t>12/02/2020</a:t>
             </a:fld>
             <a:endParaRPr lang="en-GB"/>
           </a:p>
@@ -2050,7 +2051,7 @@
           <a:p>
             <a:fld id="{AD5A3EC8-63D0-49CB-ABB2-40C0A298F0AD}" type="datetimeFigureOut">
               <a:rPr lang="en-GB" smtClean="0"/>
-              <a:t>11/02/2020</a:t>
+              <a:t>12/02/2020</a:t>
             </a:fld>
             <a:endParaRPr lang="en-GB"/>
           </a:p>
@@ -2168,7 +2169,7 @@
           <a:p>
             <a:fld id="{AD5A3EC8-63D0-49CB-ABB2-40C0A298F0AD}" type="datetimeFigureOut">
               <a:rPr lang="en-GB" smtClean="0"/>
-              <a:t>11/02/2020</a:t>
+              <a:t>12/02/2020</a:t>
             </a:fld>
             <a:endParaRPr lang="en-GB"/>
           </a:p>
@@ -2263,7 +2264,7 @@
           <a:p>
             <a:fld id="{AD5A3EC8-63D0-49CB-ABB2-40C0A298F0AD}" type="datetimeFigureOut">
               <a:rPr lang="en-GB" smtClean="0"/>
-              <a:t>11/02/2020</a:t>
+              <a:t>12/02/2020</a:t>
             </a:fld>
             <a:endParaRPr lang="en-GB"/>
           </a:p>
@@ -2540,7 +2541,7 @@
           <a:p>
             <a:fld id="{AD5A3EC8-63D0-49CB-ABB2-40C0A298F0AD}" type="datetimeFigureOut">
               <a:rPr lang="en-GB" smtClean="0"/>
-              <a:t>11/02/2020</a:t>
+              <a:t>12/02/2020</a:t>
             </a:fld>
             <a:endParaRPr lang="en-GB"/>
           </a:p>
@@ -2793,7 +2794,7 @@
           <a:p>
             <a:fld id="{AD5A3EC8-63D0-49CB-ABB2-40C0A298F0AD}" type="datetimeFigureOut">
               <a:rPr lang="en-GB" smtClean="0"/>
-              <a:t>11/02/2020</a:t>
+              <a:t>12/02/2020</a:t>
             </a:fld>
             <a:endParaRPr lang="en-GB"/>
           </a:p>
@@ -3006,7 +3007,7 @@
           <a:p>
             <a:fld id="{AD5A3EC8-63D0-49CB-ABB2-40C0A298F0AD}" type="datetimeFigureOut">
               <a:rPr lang="en-GB" smtClean="0"/>
-              <a:t>11/02/2020</a:t>
+              <a:t>12/02/2020</a:t>
             </a:fld>
             <a:endParaRPr lang="en-GB"/>
           </a:p>
@@ -4339,6 +4340,64 @@
 </p:sld>
 </file>
 
+<file path=ppt/slides/slide3.xml><?xml version="1.0" encoding="utf-8"?>
+<p:sld xmlns:a="http://schemas.openxmlformats.org/drawingml/2006/main" xmlns:r="http://schemas.openxmlformats.org/officeDocument/2006/relationships" xmlns:p="http://schemas.openxmlformats.org/presentationml/2006/main">
+  <p:cSld>
+    <p:spTree>
+      <p:nvGrpSpPr>
+        <p:cNvPr id="1" name=""/>
+        <p:cNvGrpSpPr/>
+        <p:nvPr/>
+      </p:nvGrpSpPr>
+      <p:grpSpPr>
+        <a:xfrm>
+          <a:off x="0" y="0"/>
+          <a:ext cx="0" cy="0"/>
+          <a:chOff x="0" y="0"/>
+          <a:chExt cx="0" cy="0"/>
+        </a:xfrm>
+      </p:grpSpPr>
+      <p:pic>
+        <p:nvPicPr>
+          <p:cNvPr id="14" name="Picture 13"/>
+          <p:cNvPicPr>
+            <a:picLocks noChangeAspect="1"/>
+          </p:cNvPicPr>
+          <p:nvPr/>
+        </p:nvPicPr>
+        <p:blipFill rotWithShape="1">
+          <a:blip r:embed="rId2"/>
+          <a:srcRect r="589"/>
+          <a:stretch/>
+        </p:blipFill>
+        <p:spPr>
+          <a:xfrm>
+            <a:off x="1" y="-1"/>
+            <a:ext cx="9161928" cy="4244921"/>
+          </a:xfrm>
+          <a:prstGeom prst="rect">
+            <a:avLst/>
+          </a:prstGeom>
+          <a:ln>
+            <a:solidFill>
+              <a:schemeClr val="tx2"/>
+            </a:solidFill>
+          </a:ln>
+        </p:spPr>
+      </p:pic>
+    </p:spTree>
+    <p:extLst>
+      <p:ext uri="{BB962C8B-B14F-4D97-AF65-F5344CB8AC3E}">
+        <p14:creationId xmlns:p14="http://schemas.microsoft.com/office/powerpoint/2010/main" val="137541610"/>
+      </p:ext>
+    </p:extLst>
+  </p:cSld>
+  <p:clrMapOvr>
+    <a:masterClrMapping/>
+  </p:clrMapOvr>
+</p:sld>
+</file>
+
 <file path=ppt/theme/theme1.xml><?xml version="1.0" encoding="utf-8"?>
 <a:theme xmlns:a="http://schemas.openxmlformats.org/drawingml/2006/main" name="Office Theme">
   <a:themeElements>

--- a/images/Whack a mole.pptx
+++ b/images/Whack a mole.pptx
@@ -5,12 +5,14 @@
     <p:sldMasterId id="2147483648" r:id="rId1"/>
   </p:sldMasterIdLst>
   <p:notesMasterIdLst>
-    <p:notesMasterId r:id="rId5"/>
+    <p:notesMasterId r:id="rId7"/>
   </p:notesMasterIdLst>
   <p:sldIdLst>
     <p:sldId id="256" r:id="rId2"/>
     <p:sldId id="257" r:id="rId3"/>
-    <p:sldId id="258" r:id="rId4"/>
+    <p:sldId id="260" r:id="rId4"/>
+    <p:sldId id="259" r:id="rId5"/>
+    <p:sldId id="258" r:id="rId6"/>
   </p:sldIdLst>
   <p:sldSz cx="12192000" cy="6858000"/>
   <p:notesSz cx="6858000" cy="9144000"/>
@@ -546,6 +548,94 @@
     <p:extLst>
       <p:ext uri="{BB962C8B-B14F-4D97-AF65-F5344CB8AC3E}">
         <p14:creationId xmlns:p14="http://schemas.microsoft.com/office/powerpoint/2010/main" val="2080782250"/>
+      </p:ext>
+    </p:extLst>
+  </p:cSld>
+  <p:clrMapOvr>
+    <a:masterClrMapping/>
+  </p:clrMapOvr>
+</p:notes>
+</file>
+
+<file path=ppt/notesSlides/notesSlide2.xml><?xml version="1.0" encoding="utf-8"?>
+<p:notes xmlns:a="http://schemas.openxmlformats.org/drawingml/2006/main" xmlns:r="http://schemas.openxmlformats.org/officeDocument/2006/relationships" xmlns:p="http://schemas.openxmlformats.org/presentationml/2006/main">
+  <p:cSld>
+    <p:spTree>
+      <p:nvGrpSpPr>
+        <p:cNvPr id="1" name=""/>
+        <p:cNvGrpSpPr/>
+        <p:nvPr/>
+      </p:nvGrpSpPr>
+      <p:grpSpPr>
+        <a:xfrm>
+          <a:off x="0" y="0"/>
+          <a:ext cx="0" cy="0"/>
+          <a:chOff x="0" y="0"/>
+          <a:chExt cx="0" cy="0"/>
+        </a:xfrm>
+      </p:grpSpPr>
+      <p:sp>
+        <p:nvSpPr>
+          <p:cNvPr id="2" name="Slide Image Placeholder 1"/>
+          <p:cNvSpPr>
+            <a:spLocks noGrp="1" noRot="1" noChangeAspect="1"/>
+          </p:cNvSpPr>
+          <p:nvPr>
+            <p:ph type="sldImg"/>
+          </p:nvPr>
+        </p:nvSpPr>
+        <p:spPr/>
+      </p:sp>
+      <p:sp>
+        <p:nvSpPr>
+          <p:cNvPr id="3" name="Notes Placeholder 2"/>
+          <p:cNvSpPr>
+            <a:spLocks noGrp="1"/>
+          </p:cNvSpPr>
+          <p:nvPr>
+            <p:ph type="body" idx="1"/>
+          </p:nvPr>
+        </p:nvSpPr>
+        <p:spPr/>
+        <p:txBody>
+          <a:bodyPr/>
+          <a:lstStyle/>
+          <a:p>
+            <a:r>
+              <a:rPr lang="en-GB" dirty="0" smtClean="0"/>
+              <a:t>8 by 2 the correct size</a:t>
+            </a:r>
+            <a:endParaRPr lang="en-GB" dirty="0"/>
+          </a:p>
+        </p:txBody>
+      </p:sp>
+      <p:sp>
+        <p:nvSpPr>
+          <p:cNvPr id="4" name="Slide Number Placeholder 3"/>
+          <p:cNvSpPr>
+            <a:spLocks noGrp="1"/>
+          </p:cNvSpPr>
+          <p:nvPr>
+            <p:ph type="sldNum" sz="quarter" idx="10"/>
+          </p:nvPr>
+        </p:nvSpPr>
+        <p:spPr/>
+        <p:txBody>
+          <a:bodyPr/>
+          <a:lstStyle/>
+          <a:p>
+            <a:fld id="{13A7C749-0C7C-41A0-A350-DD69ADBF1AD8}" type="slidenum">
+              <a:rPr lang="en-GB" smtClean="0"/>
+              <a:t>4</a:t>
+            </a:fld>
+            <a:endParaRPr lang="en-GB"/>
+          </a:p>
+        </p:txBody>
+      </p:sp>
+    </p:spTree>
+    <p:extLst>
+      <p:ext uri="{BB962C8B-B14F-4D97-AF65-F5344CB8AC3E}">
+        <p14:creationId xmlns:p14="http://schemas.microsoft.com/office/powerpoint/2010/main" val="2830066069"/>
       </p:ext>
     </p:extLst>
   </p:cSld>
@@ -3420,8 +3510,8 @@
         </p:nvSpPr>
         <p:spPr>
           <a:xfrm>
-            <a:off x="265176" y="502920"/>
-            <a:ext cx="12124944" cy="6208776"/>
+            <a:off x="-1021977" y="502920"/>
+            <a:ext cx="14953129" cy="6208776"/>
           </a:xfrm>
           <a:prstGeom prst="rect">
             <a:avLst/>
@@ -4304,6 +4394,46 @@
           <a:chExt cx="0" cy="0"/>
         </a:xfrm>
       </p:grpSpPr>
+      <p:sp>
+        <p:nvSpPr>
+          <p:cNvPr id="2" name="Rectangle 1"/>
+          <p:cNvSpPr/>
+          <p:nvPr/>
+        </p:nvSpPr>
+        <p:spPr>
+          <a:xfrm>
+            <a:off x="0" y="0"/>
+            <a:ext cx="8910918" cy="4213412"/>
+          </a:xfrm>
+          <a:prstGeom prst="rect">
+            <a:avLst/>
+          </a:prstGeom>
+        </p:spPr>
+        <p:style>
+          <a:lnRef idx="2">
+            <a:schemeClr val="accent1">
+              <a:shade val="50000"/>
+            </a:schemeClr>
+          </a:lnRef>
+          <a:fillRef idx="1">
+            <a:schemeClr val="accent1"/>
+          </a:fillRef>
+          <a:effectRef idx="0">
+            <a:schemeClr val="accent1"/>
+          </a:effectRef>
+          <a:fontRef idx="minor">
+            <a:schemeClr val="lt1"/>
+          </a:fontRef>
+        </p:style>
+        <p:txBody>
+          <a:bodyPr rtlCol="0" anchor="ctr"/>
+          <a:lstStyle/>
+          <a:p>
+            <a:pPr algn="ctr"/>
+            <a:endParaRPr lang="en-GB"/>
+          </a:p>
+        </p:txBody>
+      </p:sp>
       <p:pic>
         <p:nvPicPr>
           <p:cNvPr id="7" name="Picture 6"/>
@@ -4327,6 +4457,69 @@
           </a:prstGeom>
         </p:spPr>
       </p:pic>
+      <p:sp>
+        <p:nvSpPr>
+          <p:cNvPr id="4" name="Rectangle 3"/>
+          <p:cNvSpPr/>
+          <p:nvPr/>
+        </p:nvSpPr>
+        <p:spPr>
+          <a:xfrm>
+            <a:off x="0" y="0"/>
+            <a:ext cx="9161929" cy="4213412"/>
+          </a:xfrm>
+          <a:prstGeom prst="rect">
+            <a:avLst/>
+          </a:prstGeom>
+        </p:spPr>
+        <p:style>
+          <a:lnRef idx="2">
+            <a:schemeClr val="accent1">
+              <a:shade val="50000"/>
+            </a:schemeClr>
+          </a:lnRef>
+          <a:fillRef idx="1">
+            <a:schemeClr val="accent1"/>
+          </a:fillRef>
+          <a:effectRef idx="0">
+            <a:schemeClr val="accent1"/>
+          </a:effectRef>
+          <a:fontRef idx="minor">
+            <a:schemeClr val="lt1"/>
+          </a:fontRef>
+        </p:style>
+        <p:txBody>
+          <a:bodyPr rtlCol="0" anchor="ctr"/>
+          <a:lstStyle/>
+          <a:p>
+            <a:pPr algn="ctr"/>
+            <a:endParaRPr lang="en-GB"/>
+          </a:p>
+        </p:txBody>
+      </p:sp>
+      <p:pic>
+        <p:nvPicPr>
+          <p:cNvPr id="28" name="Picture 27"/>
+          <p:cNvPicPr>
+            <a:picLocks noChangeAspect="1"/>
+          </p:cNvPicPr>
+          <p:nvPr/>
+        </p:nvPicPr>
+        <p:blipFill rotWithShape="1">
+          <a:blip r:embed="rId4"/>
+          <a:srcRect l="4418" r="4753"/>
+          <a:stretch/>
+        </p:blipFill>
+        <p:spPr>
+          <a:xfrm>
+            <a:off x="0" y="0"/>
+            <a:ext cx="9215718" cy="4210678"/>
+          </a:xfrm>
+          <a:prstGeom prst="rect">
+            <a:avLst/>
+          </a:prstGeom>
+        </p:spPr>
+      </p:pic>
     </p:spTree>
     <p:extLst>
       <p:ext uri="{BB962C8B-B14F-4D97-AF65-F5344CB8AC3E}">
@@ -4341,6 +4534,590 @@
 </file>
 
 <file path=ppt/slides/slide3.xml><?xml version="1.0" encoding="utf-8"?>
+<p:sld xmlns:a="http://schemas.openxmlformats.org/drawingml/2006/main" xmlns:r="http://schemas.openxmlformats.org/officeDocument/2006/relationships" xmlns:p="http://schemas.openxmlformats.org/presentationml/2006/main">
+  <p:cSld>
+    <p:spTree>
+      <p:nvGrpSpPr>
+        <p:cNvPr id="1" name=""/>
+        <p:cNvGrpSpPr/>
+        <p:nvPr/>
+      </p:nvGrpSpPr>
+      <p:grpSpPr>
+        <a:xfrm>
+          <a:off x="0" y="0"/>
+          <a:ext cx="0" cy="0"/>
+          <a:chOff x="0" y="0"/>
+          <a:chExt cx="0" cy="0"/>
+        </a:xfrm>
+      </p:grpSpPr>
+      <p:sp>
+        <p:nvSpPr>
+          <p:cNvPr id="3" name="Rectangle 2"/>
+          <p:cNvSpPr/>
+          <p:nvPr/>
+        </p:nvSpPr>
+        <p:spPr>
+          <a:xfrm>
+            <a:off x="265176" y="502920"/>
+            <a:ext cx="12124944" cy="5602045"/>
+          </a:xfrm>
+          <a:prstGeom prst="rect">
+            <a:avLst/>
+          </a:prstGeom>
+          <a:solidFill>
+            <a:schemeClr val="bg1"/>
+          </a:solidFill>
+          <a:ln>
+            <a:noFill/>
+          </a:ln>
+        </p:spPr>
+        <p:style>
+          <a:lnRef idx="2">
+            <a:schemeClr val="accent1">
+              <a:shade val="50000"/>
+            </a:schemeClr>
+          </a:lnRef>
+          <a:fillRef idx="1">
+            <a:schemeClr val="accent1"/>
+          </a:fillRef>
+          <a:effectRef idx="0">
+            <a:schemeClr val="accent1"/>
+          </a:effectRef>
+          <a:fontRef idx="minor">
+            <a:schemeClr val="lt1"/>
+          </a:fontRef>
+        </p:style>
+        <p:txBody>
+          <a:bodyPr rtlCol="0" anchor="ctr"/>
+          <a:lstStyle/>
+          <a:p>
+            <a:pPr algn="ctr"/>
+            <a:endParaRPr lang="en-GB"/>
+          </a:p>
+        </p:txBody>
+      </p:sp>
+      <p:sp>
+        <p:nvSpPr>
+          <p:cNvPr id="2" name="Title 1"/>
+          <p:cNvSpPr>
+            <a:spLocks noGrp="1"/>
+          </p:cNvSpPr>
+          <p:nvPr>
+            <p:ph type="ctrTitle"/>
+          </p:nvPr>
+        </p:nvSpPr>
+        <p:spPr>
+          <a:xfrm>
+            <a:off x="1523999" y="1749016"/>
+            <a:ext cx="9144000" cy="1715272"/>
+          </a:xfrm>
+        </p:spPr>
+        <p:txBody>
+          <a:bodyPr>
+            <a:normAutofit/>
+          </a:bodyPr>
+          <a:lstStyle/>
+          <a:p>
+            <a:r>
+              <a:rPr lang="en-GB" dirty="0" smtClean="0">
+                <a:solidFill>
+                  <a:schemeClr val="accent5"/>
+                </a:solidFill>
+                <a:latin typeface="Brush King" panose="02000600000000000000" pitchFamily="50" charset="0"/>
+              </a:rPr>
+              <a:t>Whack a mole</a:t>
+            </a:r>
+            <a:endParaRPr lang="en-GB" dirty="0">
+              <a:solidFill>
+                <a:schemeClr val="accent5"/>
+              </a:solidFill>
+              <a:latin typeface="Brush King" panose="02000600000000000000" pitchFamily="50" charset="0"/>
+            </a:endParaRPr>
+          </a:p>
+        </p:txBody>
+      </p:sp>
+      <p:sp>
+        <p:nvSpPr>
+          <p:cNvPr id="29" name="Subtitle 2"/>
+          <p:cNvSpPr txBox="1">
+            <a:spLocks/>
+          </p:cNvSpPr>
+          <p:nvPr/>
+        </p:nvSpPr>
+        <p:spPr>
+          <a:xfrm>
+            <a:off x="1523999" y="726141"/>
+            <a:ext cx="9144000" cy="5091953"/>
+          </a:xfrm>
+          <a:prstGeom prst="rect">
+            <a:avLst/>
+          </a:prstGeom>
+        </p:spPr>
+        <p:txBody>
+          <a:bodyPr vert="horz" lIns="91440" tIns="45720" rIns="91440" bIns="45720" rtlCol="0">
+            <a:normAutofit/>
+          </a:bodyPr>
+          <a:lstStyle>
+            <a:lvl1pPr marL="0" indent="0" algn="ctr" defTabSz="914400" rtl="0" eaLnBrk="1" latinLnBrk="0" hangingPunct="1">
+              <a:lnSpc>
+                <a:spcPct val="90000"/>
+              </a:lnSpc>
+              <a:spcBef>
+                <a:spcPts val="1000"/>
+              </a:spcBef>
+              <a:buFont typeface="Arial" panose="020B0604020202020204" pitchFamily="34" charset="0"/>
+              <a:buNone/>
+              <a:defRPr sz="2400" kern="1200">
+                <a:solidFill>
+                  <a:schemeClr val="tx1"/>
+                </a:solidFill>
+                <a:latin typeface="+mn-lt"/>
+                <a:ea typeface="+mn-ea"/>
+                <a:cs typeface="+mn-cs"/>
+              </a:defRPr>
+            </a:lvl1pPr>
+            <a:lvl2pPr marL="457200" indent="0" algn="ctr" defTabSz="914400" rtl="0" eaLnBrk="1" latinLnBrk="0" hangingPunct="1">
+              <a:lnSpc>
+                <a:spcPct val="90000"/>
+              </a:lnSpc>
+              <a:spcBef>
+                <a:spcPts val="500"/>
+              </a:spcBef>
+              <a:buFont typeface="Arial" panose="020B0604020202020204" pitchFamily="34" charset="0"/>
+              <a:buNone/>
+              <a:defRPr sz="2000" kern="1200">
+                <a:solidFill>
+                  <a:schemeClr val="tx1"/>
+                </a:solidFill>
+                <a:latin typeface="+mn-lt"/>
+                <a:ea typeface="+mn-ea"/>
+                <a:cs typeface="+mn-cs"/>
+              </a:defRPr>
+            </a:lvl2pPr>
+            <a:lvl3pPr marL="914400" indent="0" algn="ctr" defTabSz="914400" rtl="0" eaLnBrk="1" latinLnBrk="0" hangingPunct="1">
+              <a:lnSpc>
+                <a:spcPct val="90000"/>
+              </a:lnSpc>
+              <a:spcBef>
+                <a:spcPts val="500"/>
+              </a:spcBef>
+              <a:buFont typeface="Arial" panose="020B0604020202020204" pitchFamily="34" charset="0"/>
+              <a:buNone/>
+              <a:defRPr sz="1800" kern="1200">
+                <a:solidFill>
+                  <a:schemeClr val="tx1"/>
+                </a:solidFill>
+                <a:latin typeface="+mn-lt"/>
+                <a:ea typeface="+mn-ea"/>
+                <a:cs typeface="+mn-cs"/>
+              </a:defRPr>
+            </a:lvl3pPr>
+            <a:lvl4pPr marL="1371600" indent="0" algn="ctr" defTabSz="914400" rtl="0" eaLnBrk="1" latinLnBrk="0" hangingPunct="1">
+              <a:lnSpc>
+                <a:spcPct val="90000"/>
+              </a:lnSpc>
+              <a:spcBef>
+                <a:spcPts val="500"/>
+              </a:spcBef>
+              <a:buFont typeface="Arial" panose="020B0604020202020204" pitchFamily="34" charset="0"/>
+              <a:buNone/>
+              <a:defRPr sz="1600" kern="1200">
+                <a:solidFill>
+                  <a:schemeClr val="tx1"/>
+                </a:solidFill>
+                <a:latin typeface="+mn-lt"/>
+                <a:ea typeface="+mn-ea"/>
+                <a:cs typeface="+mn-cs"/>
+              </a:defRPr>
+            </a:lvl4pPr>
+            <a:lvl5pPr marL="1828800" indent="0" algn="ctr" defTabSz="914400" rtl="0" eaLnBrk="1" latinLnBrk="0" hangingPunct="1">
+              <a:lnSpc>
+                <a:spcPct val="90000"/>
+              </a:lnSpc>
+              <a:spcBef>
+                <a:spcPts val="500"/>
+              </a:spcBef>
+              <a:buFont typeface="Arial" panose="020B0604020202020204" pitchFamily="34" charset="0"/>
+              <a:buNone/>
+              <a:defRPr sz="1600" kern="1200">
+                <a:solidFill>
+                  <a:schemeClr val="tx1"/>
+                </a:solidFill>
+                <a:latin typeface="+mn-lt"/>
+                <a:ea typeface="+mn-ea"/>
+                <a:cs typeface="+mn-cs"/>
+              </a:defRPr>
+            </a:lvl5pPr>
+            <a:lvl6pPr marL="2286000" indent="0" algn="ctr" defTabSz="914400" rtl="0" eaLnBrk="1" latinLnBrk="0" hangingPunct="1">
+              <a:lnSpc>
+                <a:spcPct val="90000"/>
+              </a:lnSpc>
+              <a:spcBef>
+                <a:spcPts val="500"/>
+              </a:spcBef>
+              <a:buFont typeface="Arial" panose="020B0604020202020204" pitchFamily="34" charset="0"/>
+              <a:buNone/>
+              <a:defRPr sz="1600" kern="1200">
+                <a:solidFill>
+                  <a:schemeClr val="tx1"/>
+                </a:solidFill>
+                <a:latin typeface="+mn-lt"/>
+                <a:ea typeface="+mn-ea"/>
+                <a:cs typeface="+mn-cs"/>
+              </a:defRPr>
+            </a:lvl6pPr>
+            <a:lvl7pPr marL="2743200" indent="0" algn="ctr" defTabSz="914400" rtl="0" eaLnBrk="1" latinLnBrk="0" hangingPunct="1">
+              <a:lnSpc>
+                <a:spcPct val="90000"/>
+              </a:lnSpc>
+              <a:spcBef>
+                <a:spcPts val="500"/>
+              </a:spcBef>
+              <a:buFont typeface="Arial" panose="020B0604020202020204" pitchFamily="34" charset="0"/>
+              <a:buNone/>
+              <a:defRPr sz="1600" kern="1200">
+                <a:solidFill>
+                  <a:schemeClr val="tx1"/>
+                </a:solidFill>
+                <a:latin typeface="+mn-lt"/>
+                <a:ea typeface="+mn-ea"/>
+                <a:cs typeface="+mn-cs"/>
+              </a:defRPr>
+            </a:lvl7pPr>
+            <a:lvl8pPr marL="3200400" indent="0" algn="ctr" defTabSz="914400" rtl="0" eaLnBrk="1" latinLnBrk="0" hangingPunct="1">
+              <a:lnSpc>
+                <a:spcPct val="90000"/>
+              </a:lnSpc>
+              <a:spcBef>
+                <a:spcPts val="500"/>
+              </a:spcBef>
+              <a:buFont typeface="Arial" panose="020B0604020202020204" pitchFamily="34" charset="0"/>
+              <a:buNone/>
+              <a:defRPr sz="1600" kern="1200">
+                <a:solidFill>
+                  <a:schemeClr val="tx1"/>
+                </a:solidFill>
+                <a:latin typeface="+mn-lt"/>
+                <a:ea typeface="+mn-ea"/>
+                <a:cs typeface="+mn-cs"/>
+              </a:defRPr>
+            </a:lvl8pPr>
+            <a:lvl9pPr marL="3657600" indent="0" algn="ctr" defTabSz="914400" rtl="0" eaLnBrk="1" latinLnBrk="0" hangingPunct="1">
+              <a:lnSpc>
+                <a:spcPct val="90000"/>
+              </a:lnSpc>
+              <a:spcBef>
+                <a:spcPts val="500"/>
+              </a:spcBef>
+              <a:buFont typeface="Arial" panose="020B0604020202020204" pitchFamily="34" charset="0"/>
+              <a:buNone/>
+              <a:defRPr sz="1600" kern="1200">
+                <a:solidFill>
+                  <a:schemeClr val="tx1"/>
+                </a:solidFill>
+                <a:latin typeface="+mn-lt"/>
+                <a:ea typeface="+mn-ea"/>
+                <a:cs typeface="+mn-cs"/>
+              </a:defRPr>
+            </a:lvl9pPr>
+          </a:lstStyle>
+          <a:p>
+            <a:endParaRPr lang="en-GB" sz="1400" dirty="0" smtClean="0">
+              <a:latin typeface="Brush King" panose="02000600000000000000" pitchFamily="50" charset="0"/>
+            </a:endParaRPr>
+          </a:p>
+          <a:p>
+            <a:r>
+              <a:rPr lang="en-GB" sz="2000" dirty="0" smtClean="0">
+                <a:latin typeface="Brush King" panose="02000600000000000000" pitchFamily="50" charset="0"/>
+              </a:rPr>
+              <a:t>Thanks for </a:t>
+            </a:r>
+            <a:r>
+              <a:rPr lang="en-GB" sz="2000" dirty="0" err="1" smtClean="0">
+                <a:latin typeface="Brush King" panose="02000600000000000000" pitchFamily="50" charset="0"/>
+              </a:rPr>
+              <a:t>playin</a:t>
+            </a:r>
+            <a:r>
+              <a:rPr lang="en-GB" sz="2000" dirty="0" err="1" smtClean="0">
+                <a:latin typeface="Brush King" panose="02000600000000000000" pitchFamily="50" charset="0"/>
+              </a:rPr>
+              <a:t>G</a:t>
+            </a:r>
+            <a:endParaRPr lang="en-GB" sz="2000" dirty="0" smtClean="0">
+              <a:latin typeface="Brush King" panose="02000600000000000000" pitchFamily="50" charset="0"/>
+            </a:endParaRPr>
+          </a:p>
+          <a:p>
+            <a:endParaRPr lang="en-GB" sz="1050" dirty="0">
+              <a:latin typeface="Brush King" panose="02000600000000000000" pitchFamily="50" charset="0"/>
+            </a:endParaRPr>
+          </a:p>
+          <a:p>
+            <a:endParaRPr lang="en-GB" sz="1050" dirty="0" smtClean="0">
+              <a:latin typeface="Brush King" panose="02000600000000000000" pitchFamily="50" charset="0"/>
+            </a:endParaRPr>
+          </a:p>
+          <a:p>
+            <a:endParaRPr lang="en-GB" sz="1050" dirty="0">
+              <a:latin typeface="Brush King" panose="02000600000000000000" pitchFamily="50" charset="0"/>
+            </a:endParaRPr>
+          </a:p>
+          <a:p>
+            <a:endParaRPr lang="en-GB" sz="1050" dirty="0" smtClean="0">
+              <a:latin typeface="Brush King" panose="02000600000000000000" pitchFamily="50" charset="0"/>
+            </a:endParaRPr>
+          </a:p>
+          <a:p>
+            <a:endParaRPr lang="en-GB" sz="1050" dirty="0">
+              <a:latin typeface="Brush King" panose="02000600000000000000" pitchFamily="50" charset="0"/>
+            </a:endParaRPr>
+          </a:p>
+          <a:p>
+            <a:endParaRPr lang="en-GB" sz="1050" dirty="0" smtClean="0">
+              <a:latin typeface="Brush King" panose="02000600000000000000" pitchFamily="50" charset="0"/>
+            </a:endParaRPr>
+          </a:p>
+          <a:p>
+            <a:endParaRPr lang="en-GB" sz="1050" dirty="0">
+              <a:latin typeface="Brush King" panose="02000600000000000000" pitchFamily="50" charset="0"/>
+            </a:endParaRPr>
+          </a:p>
+          <a:p>
+            <a:endParaRPr lang="en-GB" sz="1050" dirty="0" smtClean="0">
+              <a:latin typeface="Brush King" panose="02000600000000000000" pitchFamily="50" charset="0"/>
+            </a:endParaRPr>
+          </a:p>
+          <a:p>
+            <a:endParaRPr lang="en-GB" sz="1050" dirty="0">
+              <a:latin typeface="Brush King" panose="02000600000000000000" pitchFamily="50" charset="0"/>
+            </a:endParaRPr>
+          </a:p>
+          <a:p>
+            <a:endParaRPr lang="en-GB" sz="1050" dirty="0" smtClean="0">
+              <a:latin typeface="Brush King" panose="02000600000000000000" pitchFamily="50" charset="0"/>
+            </a:endParaRPr>
+          </a:p>
+          <a:p>
+            <a:endParaRPr lang="en-GB" sz="1050" dirty="0">
+              <a:latin typeface="Brush King" panose="02000600000000000000" pitchFamily="50" charset="0"/>
+            </a:endParaRPr>
+          </a:p>
+          <a:p>
+            <a:r>
+              <a:rPr lang="en-GB" sz="1050" dirty="0" smtClean="0">
+                <a:latin typeface="Brush King" panose="02000600000000000000" pitchFamily="50" charset="0"/>
+              </a:rPr>
+              <a:t>You can close the game using the top right x button</a:t>
+            </a:r>
+          </a:p>
+          <a:p>
+            <a:endParaRPr lang="en-GB" sz="1050" dirty="0">
+              <a:latin typeface="Brush King" panose="02000600000000000000" pitchFamily="50" charset="0"/>
+            </a:endParaRPr>
+          </a:p>
+          <a:p>
+            <a:endParaRPr lang="en-GB" sz="1050" dirty="0" smtClean="0">
+              <a:latin typeface="Brush King" panose="02000600000000000000" pitchFamily="50" charset="0"/>
+            </a:endParaRPr>
+          </a:p>
+          <a:p>
+            <a:endParaRPr lang="en-GB" sz="1050" dirty="0">
+              <a:latin typeface="Brush King" panose="02000600000000000000" pitchFamily="50" charset="0"/>
+            </a:endParaRPr>
+          </a:p>
+          <a:p>
+            <a:r>
+              <a:rPr lang="en-GB" sz="1050" dirty="0" smtClean="0">
+                <a:latin typeface="Brush King" panose="02000600000000000000" pitchFamily="50" charset="0"/>
+              </a:rPr>
+              <a:t>brought </a:t>
+            </a:r>
+            <a:r>
+              <a:rPr lang="en-GB" sz="1050" dirty="0" smtClean="0">
+                <a:latin typeface="Brush King" panose="02000600000000000000" pitchFamily="50" charset="0"/>
+              </a:rPr>
+              <a:t>to you by the BDM </a:t>
+            </a:r>
+            <a:r>
+              <a:rPr lang="en-GB" sz="1050" dirty="0" smtClean="0">
+                <a:latin typeface="Brush King" panose="02000600000000000000" pitchFamily="50" charset="0"/>
+              </a:rPr>
+              <a:t>lab</a:t>
+            </a:r>
+            <a:endParaRPr lang="en-GB" sz="1050" dirty="0">
+              <a:latin typeface="Brush King" panose="02000600000000000000" pitchFamily="50" charset="0"/>
+            </a:endParaRPr>
+          </a:p>
+        </p:txBody>
+      </p:sp>
+    </p:spTree>
+    <p:extLst>
+      <p:ext uri="{BB962C8B-B14F-4D97-AF65-F5344CB8AC3E}">
+        <p14:creationId xmlns:p14="http://schemas.microsoft.com/office/powerpoint/2010/main" val="2729902688"/>
+      </p:ext>
+    </p:extLst>
+  </p:cSld>
+  <p:clrMapOvr>
+    <a:masterClrMapping/>
+  </p:clrMapOvr>
+</p:sld>
+</file>
+
+<file path=ppt/slides/slide4.xml><?xml version="1.0" encoding="utf-8"?>
+<p:sld xmlns:a="http://schemas.openxmlformats.org/drawingml/2006/main" xmlns:r="http://schemas.openxmlformats.org/officeDocument/2006/relationships" xmlns:p="http://schemas.openxmlformats.org/presentationml/2006/main">
+  <p:cSld>
+    <p:spTree>
+      <p:nvGrpSpPr>
+        <p:cNvPr id="1" name=""/>
+        <p:cNvGrpSpPr/>
+        <p:nvPr/>
+      </p:nvGrpSpPr>
+      <p:grpSpPr>
+        <a:xfrm>
+          <a:off x="0" y="0"/>
+          <a:ext cx="0" cy="0"/>
+          <a:chOff x="0" y="0"/>
+          <a:chExt cx="0" cy="0"/>
+        </a:xfrm>
+      </p:grpSpPr>
+      <p:sp>
+        <p:nvSpPr>
+          <p:cNvPr id="2" name="Rectangle 1"/>
+          <p:cNvSpPr/>
+          <p:nvPr/>
+        </p:nvSpPr>
+        <p:spPr>
+          <a:xfrm>
+            <a:off x="0" y="0"/>
+            <a:ext cx="9161929" cy="4464424"/>
+          </a:xfrm>
+          <a:prstGeom prst="rect">
+            <a:avLst/>
+          </a:prstGeom>
+        </p:spPr>
+        <p:style>
+          <a:lnRef idx="2">
+            <a:schemeClr val="accent1">
+              <a:shade val="50000"/>
+            </a:schemeClr>
+          </a:lnRef>
+          <a:fillRef idx="1">
+            <a:schemeClr val="accent1"/>
+          </a:fillRef>
+          <a:effectRef idx="0">
+            <a:schemeClr val="accent1"/>
+          </a:effectRef>
+          <a:fontRef idx="minor">
+            <a:schemeClr val="lt1"/>
+          </a:fontRef>
+        </p:style>
+        <p:txBody>
+          <a:bodyPr rtlCol="0" anchor="ctr"/>
+          <a:lstStyle/>
+          <a:p>
+            <a:pPr algn="ctr"/>
+            <a:endParaRPr lang="en-GB"/>
+          </a:p>
+        </p:txBody>
+      </p:sp>
+      <p:pic>
+        <p:nvPicPr>
+          <p:cNvPr id="10" name="Picture 9"/>
+          <p:cNvPicPr>
+            <a:picLocks noChangeAspect="1"/>
+          </p:cNvPicPr>
+          <p:nvPr/>
+        </p:nvPicPr>
+        <p:blipFill>
+          <a:blip r:embed="rId3"/>
+          <a:stretch>
+            <a:fillRect/>
+          </a:stretch>
+        </p:blipFill>
+        <p:spPr>
+          <a:xfrm>
+            <a:off x="1" y="0"/>
+            <a:ext cx="9161928" cy="4464424"/>
+          </a:xfrm>
+          <a:prstGeom prst="rect">
+            <a:avLst/>
+          </a:prstGeom>
+        </p:spPr>
+      </p:pic>
+      <p:pic>
+        <p:nvPicPr>
+          <p:cNvPr id="11" name="Picture 10"/>
+          <p:cNvPicPr>
+            <a:picLocks noChangeAspect="1"/>
+          </p:cNvPicPr>
+          <p:nvPr/>
+        </p:nvPicPr>
+        <p:blipFill rotWithShape="1">
+          <a:blip r:embed="rId4">
+            <a:extLst>
+              <a:ext uri="{28A0092B-C50C-407E-A947-70E740481C1C}">
+                <a14:useLocalDpi xmlns:a14="http://schemas.microsoft.com/office/drawing/2010/main" val="0"/>
+              </a:ext>
+            </a:extLst>
+          </a:blip>
+          <a:srcRect l="42132" r="45809"/>
+          <a:stretch/>
+        </p:blipFill>
+        <p:spPr>
+          <a:xfrm>
+            <a:off x="224118" y="2595283"/>
+            <a:ext cx="1470212" cy="1614792"/>
+          </a:xfrm>
+          <a:prstGeom prst="rect">
+            <a:avLst/>
+          </a:prstGeom>
+        </p:spPr>
+      </p:pic>
+      <p:pic>
+        <p:nvPicPr>
+          <p:cNvPr id="12" name="Picture 11"/>
+          <p:cNvPicPr>
+            <a:picLocks noChangeAspect="1"/>
+          </p:cNvPicPr>
+          <p:nvPr/>
+        </p:nvPicPr>
+        <p:blipFill rotWithShape="1">
+          <a:blip r:embed="rId4">
+            <a:extLst>
+              <a:ext uri="{28A0092B-C50C-407E-A947-70E740481C1C}">
+                <a14:useLocalDpi xmlns:a14="http://schemas.microsoft.com/office/drawing/2010/main" val="0"/>
+              </a:ext>
+            </a:extLst>
+          </a:blip>
+          <a:srcRect l="56176" t="-588" r="31765" b="588"/>
+          <a:stretch/>
+        </p:blipFill>
+        <p:spPr>
+          <a:xfrm>
+            <a:off x="7449671" y="2595283"/>
+            <a:ext cx="1470212" cy="1614792"/>
+          </a:xfrm>
+          <a:prstGeom prst="rect">
+            <a:avLst/>
+          </a:prstGeom>
+        </p:spPr>
+      </p:pic>
+    </p:spTree>
+    <p:extLst>
+      <p:ext uri="{BB962C8B-B14F-4D97-AF65-F5344CB8AC3E}">
+        <p14:creationId xmlns:p14="http://schemas.microsoft.com/office/powerpoint/2010/main" val="104857326"/>
+      </p:ext>
+    </p:extLst>
+  </p:cSld>
+  <p:clrMapOvr>
+    <a:masterClrMapping/>
+  </p:clrMapOvr>
+</p:sld>
+</file>
+
+<file path=ppt/slides/slide5.xml><?xml version="1.0" encoding="utf-8"?>
 <p:sld xmlns:a="http://schemas.openxmlformats.org/drawingml/2006/main" xmlns:r="http://schemas.openxmlformats.org/officeDocument/2006/relationships" xmlns:p="http://schemas.openxmlformats.org/presentationml/2006/main">
   <p:cSld>
     <p:spTree>

--- a/images/Whack a mole.pptx
+++ b/images/Whack a mole.pptx
@@ -5,7 +5,7 @@
     <p:sldMasterId id="2147483648" r:id="rId1"/>
   </p:sldMasterIdLst>
   <p:notesMasterIdLst>
-    <p:notesMasterId r:id="rId7"/>
+    <p:notesMasterId r:id="rId9"/>
   </p:notesMasterIdLst>
   <p:sldIdLst>
     <p:sldId id="256" r:id="rId2"/>
@@ -13,6 +13,8 @@
     <p:sldId id="260" r:id="rId4"/>
     <p:sldId id="259" r:id="rId5"/>
     <p:sldId id="258" r:id="rId6"/>
+    <p:sldId id="261" r:id="rId7"/>
+    <p:sldId id="262" r:id="rId8"/>
   </p:sldIdLst>
   <p:sldSz cx="12192000" cy="6858000"/>
   <p:notesSz cx="6858000" cy="9144000"/>
@@ -201,7 +203,7 @@
           <a:p>
             <a:fld id="{F8124032-DB74-4B24-9D6C-0DB73E286C2C}" type="datetimeFigureOut">
               <a:rPr lang="en-GB" smtClean="0"/>
-              <a:t>12/02/2020</a:t>
+              <a:t>16/02/2020</a:t>
             </a:fld>
             <a:endParaRPr lang="en-GB"/>
           </a:p>
@@ -645,6 +647,90 @@
 </p:notes>
 </file>
 
+<file path=ppt/notesSlides/notesSlide3.xml><?xml version="1.0" encoding="utf-8"?>
+<p:notes xmlns:a="http://schemas.openxmlformats.org/drawingml/2006/main" xmlns:r="http://schemas.openxmlformats.org/officeDocument/2006/relationships" xmlns:p="http://schemas.openxmlformats.org/presentationml/2006/main">
+  <p:cSld>
+    <p:spTree>
+      <p:nvGrpSpPr>
+        <p:cNvPr id="1" name=""/>
+        <p:cNvGrpSpPr/>
+        <p:nvPr/>
+      </p:nvGrpSpPr>
+      <p:grpSpPr>
+        <a:xfrm>
+          <a:off x="0" y="0"/>
+          <a:ext cx="0" cy="0"/>
+          <a:chOff x="0" y="0"/>
+          <a:chExt cx="0" cy="0"/>
+        </a:xfrm>
+      </p:grpSpPr>
+      <p:sp>
+        <p:nvSpPr>
+          <p:cNvPr id="2" name="Slide Image Placeholder 1"/>
+          <p:cNvSpPr>
+            <a:spLocks noGrp="1" noRot="1" noChangeAspect="1"/>
+          </p:cNvSpPr>
+          <p:nvPr>
+            <p:ph type="sldImg"/>
+          </p:nvPr>
+        </p:nvSpPr>
+        <p:spPr/>
+      </p:sp>
+      <p:sp>
+        <p:nvSpPr>
+          <p:cNvPr id="3" name="Notes Placeholder 2"/>
+          <p:cNvSpPr>
+            <a:spLocks noGrp="1"/>
+          </p:cNvSpPr>
+          <p:nvPr>
+            <p:ph type="body" idx="1"/>
+          </p:nvPr>
+        </p:nvSpPr>
+        <p:spPr/>
+        <p:txBody>
+          <a:bodyPr/>
+          <a:lstStyle/>
+          <a:p>
+            <a:endParaRPr lang="en-GB" dirty="0"/>
+          </a:p>
+        </p:txBody>
+      </p:sp>
+      <p:sp>
+        <p:nvSpPr>
+          <p:cNvPr id="4" name="Slide Number Placeholder 3"/>
+          <p:cNvSpPr>
+            <a:spLocks noGrp="1"/>
+          </p:cNvSpPr>
+          <p:nvPr>
+            <p:ph type="sldNum" sz="quarter" idx="10"/>
+          </p:nvPr>
+        </p:nvSpPr>
+        <p:spPr/>
+        <p:txBody>
+          <a:bodyPr/>
+          <a:lstStyle/>
+          <a:p>
+            <a:fld id="{13A7C749-0C7C-41A0-A350-DD69ADBF1AD8}" type="slidenum">
+              <a:rPr lang="en-GB" smtClean="0"/>
+              <a:t>6</a:t>
+            </a:fld>
+            <a:endParaRPr lang="en-GB"/>
+          </a:p>
+        </p:txBody>
+      </p:sp>
+    </p:spTree>
+    <p:extLst>
+      <p:ext uri="{BB962C8B-B14F-4D97-AF65-F5344CB8AC3E}">
+        <p14:creationId xmlns:p14="http://schemas.microsoft.com/office/powerpoint/2010/main" val="3943132826"/>
+      </p:ext>
+    </p:extLst>
+  </p:cSld>
+  <p:clrMapOvr>
+    <a:masterClrMapping/>
+  </p:clrMapOvr>
+</p:notes>
+</file>
+
 <file path=ppt/slideLayouts/slideLayout1.xml><?xml version="1.0" encoding="utf-8"?>
 <p:sldLayout xmlns:a="http://schemas.openxmlformats.org/drawingml/2006/main" xmlns:r="http://schemas.openxmlformats.org/officeDocument/2006/relationships" xmlns:p="http://schemas.openxmlformats.org/presentationml/2006/main" type="title" preserve="1">
   <p:cSld name="Title Slide">
@@ -776,7 +862,7 @@
           <a:p>
             <a:fld id="{AD5A3EC8-63D0-49CB-ABB2-40C0A298F0AD}" type="datetimeFigureOut">
               <a:rPr lang="en-GB" smtClean="0"/>
-              <a:t>12/02/2020</a:t>
+              <a:t>16/02/2020</a:t>
             </a:fld>
             <a:endParaRPr lang="en-GB"/>
           </a:p>
@@ -946,7 +1032,7 @@
           <a:p>
             <a:fld id="{AD5A3EC8-63D0-49CB-ABB2-40C0A298F0AD}" type="datetimeFigureOut">
               <a:rPr lang="en-GB" smtClean="0"/>
-              <a:t>12/02/2020</a:t>
+              <a:t>16/02/2020</a:t>
             </a:fld>
             <a:endParaRPr lang="en-GB"/>
           </a:p>
@@ -1126,7 +1212,7 @@
           <a:p>
             <a:fld id="{AD5A3EC8-63D0-49CB-ABB2-40C0A298F0AD}" type="datetimeFigureOut">
               <a:rPr lang="en-GB" smtClean="0"/>
-              <a:t>12/02/2020</a:t>
+              <a:t>16/02/2020</a:t>
             </a:fld>
             <a:endParaRPr lang="en-GB"/>
           </a:p>
@@ -1296,7 +1382,7 @@
           <a:p>
             <a:fld id="{AD5A3EC8-63D0-49CB-ABB2-40C0A298F0AD}" type="datetimeFigureOut">
               <a:rPr lang="en-GB" smtClean="0"/>
-              <a:t>12/02/2020</a:t>
+              <a:t>16/02/2020</a:t>
             </a:fld>
             <a:endParaRPr lang="en-GB"/>
           </a:p>
@@ -1542,7 +1628,7 @@
           <a:p>
             <a:fld id="{AD5A3EC8-63D0-49CB-ABB2-40C0A298F0AD}" type="datetimeFigureOut">
               <a:rPr lang="en-GB" smtClean="0"/>
-              <a:t>12/02/2020</a:t>
+              <a:t>16/02/2020</a:t>
             </a:fld>
             <a:endParaRPr lang="en-GB"/>
           </a:p>
@@ -1774,7 +1860,7 @@
           <a:p>
             <a:fld id="{AD5A3EC8-63D0-49CB-ABB2-40C0A298F0AD}" type="datetimeFigureOut">
               <a:rPr lang="en-GB" smtClean="0"/>
-              <a:t>12/02/2020</a:t>
+              <a:t>16/02/2020</a:t>
             </a:fld>
             <a:endParaRPr lang="en-GB"/>
           </a:p>
@@ -2141,7 +2227,7 @@
           <a:p>
             <a:fld id="{AD5A3EC8-63D0-49CB-ABB2-40C0A298F0AD}" type="datetimeFigureOut">
               <a:rPr lang="en-GB" smtClean="0"/>
-              <a:t>12/02/2020</a:t>
+              <a:t>16/02/2020</a:t>
             </a:fld>
             <a:endParaRPr lang="en-GB"/>
           </a:p>
@@ -2259,7 +2345,7 @@
           <a:p>
             <a:fld id="{AD5A3EC8-63D0-49CB-ABB2-40C0A298F0AD}" type="datetimeFigureOut">
               <a:rPr lang="en-GB" smtClean="0"/>
-              <a:t>12/02/2020</a:t>
+              <a:t>16/02/2020</a:t>
             </a:fld>
             <a:endParaRPr lang="en-GB"/>
           </a:p>
@@ -2354,7 +2440,7 @@
           <a:p>
             <a:fld id="{AD5A3EC8-63D0-49CB-ABB2-40C0A298F0AD}" type="datetimeFigureOut">
               <a:rPr lang="en-GB" smtClean="0"/>
-              <a:t>12/02/2020</a:t>
+              <a:t>16/02/2020</a:t>
             </a:fld>
             <a:endParaRPr lang="en-GB"/>
           </a:p>
@@ -2631,7 +2717,7 @@
           <a:p>
             <a:fld id="{AD5A3EC8-63D0-49CB-ABB2-40C0A298F0AD}" type="datetimeFigureOut">
               <a:rPr lang="en-GB" smtClean="0"/>
-              <a:t>12/02/2020</a:t>
+              <a:t>16/02/2020</a:t>
             </a:fld>
             <a:endParaRPr lang="en-GB"/>
           </a:p>
@@ -2884,7 +2970,7 @@
           <a:p>
             <a:fld id="{AD5A3EC8-63D0-49CB-ABB2-40C0A298F0AD}" type="datetimeFigureOut">
               <a:rPr lang="en-GB" smtClean="0"/>
-              <a:t>12/02/2020</a:t>
+              <a:t>16/02/2020</a:t>
             </a:fld>
             <a:endParaRPr lang="en-GB"/>
           </a:p>
@@ -3097,7 +3183,7 @@
           <a:p>
             <a:fld id="{AD5A3EC8-63D0-49CB-ABB2-40C0A298F0AD}" type="datetimeFigureOut">
               <a:rPr lang="en-GB" smtClean="0"/>
-              <a:t>12/02/2020</a:t>
+              <a:t>16/02/2020</a:t>
             </a:fld>
             <a:endParaRPr lang="en-GB"/>
           </a:p>
@@ -4837,13 +4923,7 @@
               <a:rPr lang="en-GB" sz="2000" dirty="0" err="1" smtClean="0">
                 <a:latin typeface="Brush King" panose="02000600000000000000" pitchFamily="50" charset="0"/>
               </a:rPr>
-              <a:t>playin</a:t>
-            </a:r>
-            <a:r>
-              <a:rPr lang="en-GB" sz="2000" dirty="0" err="1" smtClean="0">
-                <a:latin typeface="Brush King" panose="02000600000000000000" pitchFamily="50" charset="0"/>
-              </a:rPr>
-              <a:t>G</a:t>
+              <a:t>playinG</a:t>
             </a:r>
             <a:endParaRPr lang="en-GB" sz="2000" dirty="0" smtClean="0">
               <a:latin typeface="Brush King" panose="02000600000000000000" pitchFamily="50" charset="0"/>
@@ -4932,19 +5012,7 @@
               <a:rPr lang="en-GB" sz="1050" dirty="0" smtClean="0">
                 <a:latin typeface="Brush King" panose="02000600000000000000" pitchFamily="50" charset="0"/>
               </a:rPr>
-              <a:t>brought </a:t>
-            </a:r>
-            <a:r>
-              <a:rPr lang="en-GB" sz="1050" dirty="0" smtClean="0">
-                <a:latin typeface="Brush King" panose="02000600000000000000" pitchFamily="50" charset="0"/>
-              </a:rPr>
-              <a:t>to you by the BDM </a:t>
-            </a:r>
-            <a:r>
-              <a:rPr lang="en-GB" sz="1050" dirty="0" smtClean="0">
-                <a:latin typeface="Brush King" panose="02000600000000000000" pitchFamily="50" charset="0"/>
-              </a:rPr>
-              <a:t>lab</a:t>
+              <a:t>brought to you by the BDM lab</a:t>
             </a:r>
             <a:endParaRPr lang="en-GB" sz="1050" dirty="0">
               <a:latin typeface="Brush King" panose="02000600000000000000" pitchFamily="50" charset="0"/>
@@ -5166,6 +5234,777 @@
     <p:extLst>
       <p:ext uri="{BB962C8B-B14F-4D97-AF65-F5344CB8AC3E}">
         <p14:creationId xmlns:p14="http://schemas.microsoft.com/office/powerpoint/2010/main" val="137541610"/>
+      </p:ext>
+    </p:extLst>
+  </p:cSld>
+  <p:clrMapOvr>
+    <a:masterClrMapping/>
+  </p:clrMapOvr>
+</p:sld>
+</file>
+
+<file path=ppt/slides/slide6.xml><?xml version="1.0" encoding="utf-8"?>
+<p:sld xmlns:a="http://schemas.openxmlformats.org/drawingml/2006/main" xmlns:r="http://schemas.openxmlformats.org/officeDocument/2006/relationships" xmlns:p="http://schemas.openxmlformats.org/presentationml/2006/main">
+  <p:cSld>
+    <p:spTree>
+      <p:nvGrpSpPr>
+        <p:cNvPr id="1" name=""/>
+        <p:cNvGrpSpPr/>
+        <p:nvPr/>
+      </p:nvGrpSpPr>
+      <p:grpSpPr>
+        <a:xfrm>
+          <a:off x="0" y="0"/>
+          <a:ext cx="0" cy="0"/>
+          <a:chOff x="0" y="0"/>
+          <a:chExt cx="0" cy="0"/>
+        </a:xfrm>
+      </p:grpSpPr>
+      <p:pic>
+        <p:nvPicPr>
+          <p:cNvPr id="4" name="Picture 3"/>
+          <p:cNvPicPr>
+            <a:picLocks noChangeAspect="1"/>
+          </p:cNvPicPr>
+          <p:nvPr/>
+        </p:nvPicPr>
+        <p:blipFill>
+          <a:blip r:embed="rId3">
+            <a:extLst>
+              <a:ext uri="{28A0092B-C50C-407E-A947-70E740481C1C}">
+                <a14:useLocalDpi xmlns:a14="http://schemas.microsoft.com/office/drawing/2010/main" val="0"/>
+              </a:ext>
+            </a:extLst>
+          </a:blip>
+          <a:stretch>
+            <a:fillRect/>
+          </a:stretch>
+        </p:blipFill>
+        <p:spPr>
+          <a:xfrm>
+            <a:off x="0" y="813732"/>
+            <a:ext cx="12192000" cy="5230535"/>
+          </a:xfrm>
+          <a:prstGeom prst="rect">
+            <a:avLst/>
+          </a:prstGeom>
+        </p:spPr>
+      </p:pic>
+      <p:sp>
+        <p:nvSpPr>
+          <p:cNvPr id="5" name="Title 1"/>
+          <p:cNvSpPr txBox="1">
+            <a:spLocks/>
+          </p:cNvSpPr>
+          <p:nvPr/>
+        </p:nvSpPr>
+        <p:spPr>
+          <a:xfrm>
+            <a:off x="0" y="89648"/>
+            <a:ext cx="12192000" cy="5954620"/>
+          </a:xfrm>
+          <a:prstGeom prst="rect">
+            <a:avLst/>
+          </a:prstGeom>
+          <a:solidFill>
+            <a:schemeClr val="bg1"/>
+          </a:solidFill>
+        </p:spPr>
+        <p:txBody>
+          <a:bodyPr vert="horz" lIns="91440" tIns="45720" rIns="91440" bIns="45720" rtlCol="0" anchor="ctr">
+            <a:normAutofit/>
+          </a:bodyPr>
+          <a:lstStyle>
+            <a:lvl1pPr algn="l" defTabSz="914400" rtl="0" eaLnBrk="1" latinLnBrk="0" hangingPunct="1">
+              <a:lnSpc>
+                <a:spcPct val="90000"/>
+              </a:lnSpc>
+              <a:spcBef>
+                <a:spcPct val="0"/>
+              </a:spcBef>
+              <a:buNone/>
+              <a:defRPr sz="4400" kern="1200">
+                <a:solidFill>
+                  <a:schemeClr val="tx1"/>
+                </a:solidFill>
+                <a:latin typeface="+mj-lt"/>
+                <a:ea typeface="+mj-ea"/>
+                <a:cs typeface="+mj-cs"/>
+              </a:defRPr>
+            </a:lvl1pPr>
+          </a:lstStyle>
+          <a:p>
+            <a:pPr algn="ctr"/>
+            <a:r>
+              <a:rPr lang="en-GB" sz="8000" dirty="0" smtClean="0">
+                <a:solidFill>
+                  <a:schemeClr val="accent5"/>
+                </a:solidFill>
+                <a:latin typeface="Brush King" panose="02000600000000000000" pitchFamily="50" charset="0"/>
+              </a:rPr>
+              <a:t>Whack a mole</a:t>
+            </a:r>
+          </a:p>
+          <a:p>
+            <a:pPr algn="ctr"/>
+            <a:endParaRPr lang="en-GB" sz="8000" dirty="0">
+              <a:solidFill>
+                <a:schemeClr val="accent5"/>
+              </a:solidFill>
+              <a:latin typeface="Brush King" panose="02000600000000000000" pitchFamily="50" charset="0"/>
+            </a:endParaRPr>
+          </a:p>
+        </p:txBody>
+      </p:sp>
+      <p:pic>
+        <p:nvPicPr>
+          <p:cNvPr id="6" name="Picture 5"/>
+          <p:cNvPicPr>
+            <a:picLocks noChangeAspect="1"/>
+          </p:cNvPicPr>
+          <p:nvPr/>
+        </p:nvPicPr>
+        <p:blipFill rotWithShape="1">
+          <a:blip r:embed="rId4"/>
+          <a:srcRect t="48586"/>
+          <a:stretch/>
+        </p:blipFill>
+        <p:spPr>
+          <a:xfrm>
+            <a:off x="6606988" y="5084762"/>
+            <a:ext cx="5585012" cy="959506"/>
+          </a:xfrm>
+          <a:prstGeom prst="rect">
+            <a:avLst/>
+          </a:prstGeom>
+        </p:spPr>
+      </p:pic>
+      <p:pic>
+        <p:nvPicPr>
+          <p:cNvPr id="7" name="Picture 6"/>
+          <p:cNvPicPr>
+            <a:picLocks noChangeAspect="1"/>
+          </p:cNvPicPr>
+          <p:nvPr/>
+        </p:nvPicPr>
+        <p:blipFill rotWithShape="1">
+          <a:blip r:embed="rId4"/>
+          <a:srcRect t="48586" r="53980"/>
+          <a:stretch/>
+        </p:blipFill>
+        <p:spPr>
+          <a:xfrm>
+            <a:off x="0" y="5084762"/>
+            <a:ext cx="6893859" cy="959506"/>
+          </a:xfrm>
+          <a:prstGeom prst="rect">
+            <a:avLst/>
+          </a:prstGeom>
+        </p:spPr>
+      </p:pic>
+      <p:sp>
+        <p:nvSpPr>
+          <p:cNvPr id="8" name="Subtitle 2"/>
+          <p:cNvSpPr txBox="1">
+            <a:spLocks/>
+          </p:cNvSpPr>
+          <p:nvPr/>
+        </p:nvSpPr>
+        <p:spPr>
+          <a:xfrm>
+            <a:off x="1524000" y="4240306"/>
+            <a:ext cx="9144000" cy="602408"/>
+          </a:xfrm>
+          <a:prstGeom prst="rect">
+            <a:avLst/>
+          </a:prstGeom>
+        </p:spPr>
+        <p:txBody>
+          <a:bodyPr vert="horz" lIns="91440" tIns="45720" rIns="91440" bIns="45720" rtlCol="0">
+            <a:normAutofit/>
+          </a:bodyPr>
+          <a:lstStyle>
+            <a:lvl1pPr marL="0" indent="0" algn="ctr" defTabSz="914400" rtl="0" eaLnBrk="1" latinLnBrk="0" hangingPunct="1">
+              <a:lnSpc>
+                <a:spcPct val="90000"/>
+              </a:lnSpc>
+              <a:spcBef>
+                <a:spcPts val="1000"/>
+              </a:spcBef>
+              <a:buFont typeface="Arial" panose="020B0604020202020204" pitchFamily="34" charset="0"/>
+              <a:buNone/>
+              <a:defRPr sz="2400" kern="1200">
+                <a:solidFill>
+                  <a:schemeClr val="tx1"/>
+                </a:solidFill>
+                <a:latin typeface="+mn-lt"/>
+                <a:ea typeface="+mn-ea"/>
+                <a:cs typeface="+mn-cs"/>
+              </a:defRPr>
+            </a:lvl1pPr>
+            <a:lvl2pPr marL="457200" indent="0" algn="ctr" defTabSz="914400" rtl="0" eaLnBrk="1" latinLnBrk="0" hangingPunct="1">
+              <a:lnSpc>
+                <a:spcPct val="90000"/>
+              </a:lnSpc>
+              <a:spcBef>
+                <a:spcPts val="500"/>
+              </a:spcBef>
+              <a:buFont typeface="Arial" panose="020B0604020202020204" pitchFamily="34" charset="0"/>
+              <a:buNone/>
+              <a:defRPr sz="2000" kern="1200">
+                <a:solidFill>
+                  <a:schemeClr val="tx1"/>
+                </a:solidFill>
+                <a:latin typeface="+mn-lt"/>
+                <a:ea typeface="+mn-ea"/>
+                <a:cs typeface="+mn-cs"/>
+              </a:defRPr>
+            </a:lvl2pPr>
+            <a:lvl3pPr marL="914400" indent="0" algn="ctr" defTabSz="914400" rtl="0" eaLnBrk="1" latinLnBrk="0" hangingPunct="1">
+              <a:lnSpc>
+                <a:spcPct val="90000"/>
+              </a:lnSpc>
+              <a:spcBef>
+                <a:spcPts val="500"/>
+              </a:spcBef>
+              <a:buFont typeface="Arial" panose="020B0604020202020204" pitchFamily="34" charset="0"/>
+              <a:buNone/>
+              <a:defRPr sz="1800" kern="1200">
+                <a:solidFill>
+                  <a:schemeClr val="tx1"/>
+                </a:solidFill>
+                <a:latin typeface="+mn-lt"/>
+                <a:ea typeface="+mn-ea"/>
+                <a:cs typeface="+mn-cs"/>
+              </a:defRPr>
+            </a:lvl3pPr>
+            <a:lvl4pPr marL="1371600" indent="0" algn="ctr" defTabSz="914400" rtl="0" eaLnBrk="1" latinLnBrk="0" hangingPunct="1">
+              <a:lnSpc>
+                <a:spcPct val="90000"/>
+              </a:lnSpc>
+              <a:spcBef>
+                <a:spcPts val="500"/>
+              </a:spcBef>
+              <a:buFont typeface="Arial" panose="020B0604020202020204" pitchFamily="34" charset="0"/>
+              <a:buNone/>
+              <a:defRPr sz="1600" kern="1200">
+                <a:solidFill>
+                  <a:schemeClr val="tx1"/>
+                </a:solidFill>
+                <a:latin typeface="+mn-lt"/>
+                <a:ea typeface="+mn-ea"/>
+                <a:cs typeface="+mn-cs"/>
+              </a:defRPr>
+            </a:lvl4pPr>
+            <a:lvl5pPr marL="1828800" indent="0" algn="ctr" defTabSz="914400" rtl="0" eaLnBrk="1" latinLnBrk="0" hangingPunct="1">
+              <a:lnSpc>
+                <a:spcPct val="90000"/>
+              </a:lnSpc>
+              <a:spcBef>
+                <a:spcPts val="500"/>
+              </a:spcBef>
+              <a:buFont typeface="Arial" panose="020B0604020202020204" pitchFamily="34" charset="0"/>
+              <a:buNone/>
+              <a:defRPr sz="1600" kern="1200">
+                <a:solidFill>
+                  <a:schemeClr val="tx1"/>
+                </a:solidFill>
+                <a:latin typeface="+mn-lt"/>
+                <a:ea typeface="+mn-ea"/>
+                <a:cs typeface="+mn-cs"/>
+              </a:defRPr>
+            </a:lvl5pPr>
+            <a:lvl6pPr marL="2286000" indent="0" algn="ctr" defTabSz="914400" rtl="0" eaLnBrk="1" latinLnBrk="0" hangingPunct="1">
+              <a:lnSpc>
+                <a:spcPct val="90000"/>
+              </a:lnSpc>
+              <a:spcBef>
+                <a:spcPts val="500"/>
+              </a:spcBef>
+              <a:buFont typeface="Arial" panose="020B0604020202020204" pitchFamily="34" charset="0"/>
+              <a:buNone/>
+              <a:defRPr sz="1600" kern="1200">
+                <a:solidFill>
+                  <a:schemeClr val="tx1"/>
+                </a:solidFill>
+                <a:latin typeface="+mn-lt"/>
+                <a:ea typeface="+mn-ea"/>
+                <a:cs typeface="+mn-cs"/>
+              </a:defRPr>
+            </a:lvl6pPr>
+            <a:lvl7pPr marL="2743200" indent="0" algn="ctr" defTabSz="914400" rtl="0" eaLnBrk="1" latinLnBrk="0" hangingPunct="1">
+              <a:lnSpc>
+                <a:spcPct val="90000"/>
+              </a:lnSpc>
+              <a:spcBef>
+                <a:spcPts val="500"/>
+              </a:spcBef>
+              <a:buFont typeface="Arial" panose="020B0604020202020204" pitchFamily="34" charset="0"/>
+              <a:buNone/>
+              <a:defRPr sz="1600" kern="1200">
+                <a:solidFill>
+                  <a:schemeClr val="tx1"/>
+                </a:solidFill>
+                <a:latin typeface="+mn-lt"/>
+                <a:ea typeface="+mn-ea"/>
+                <a:cs typeface="+mn-cs"/>
+              </a:defRPr>
+            </a:lvl7pPr>
+            <a:lvl8pPr marL="3200400" indent="0" algn="ctr" defTabSz="914400" rtl="0" eaLnBrk="1" latinLnBrk="0" hangingPunct="1">
+              <a:lnSpc>
+                <a:spcPct val="90000"/>
+              </a:lnSpc>
+              <a:spcBef>
+                <a:spcPts val="500"/>
+              </a:spcBef>
+              <a:buFont typeface="Arial" panose="020B0604020202020204" pitchFamily="34" charset="0"/>
+              <a:buNone/>
+              <a:defRPr sz="1600" kern="1200">
+                <a:solidFill>
+                  <a:schemeClr val="tx1"/>
+                </a:solidFill>
+                <a:latin typeface="+mn-lt"/>
+                <a:ea typeface="+mn-ea"/>
+                <a:cs typeface="+mn-cs"/>
+              </a:defRPr>
+            </a:lvl8pPr>
+            <a:lvl9pPr marL="3657600" indent="0" algn="ctr" defTabSz="914400" rtl="0" eaLnBrk="1" latinLnBrk="0" hangingPunct="1">
+              <a:lnSpc>
+                <a:spcPct val="90000"/>
+              </a:lnSpc>
+              <a:spcBef>
+                <a:spcPts val="500"/>
+              </a:spcBef>
+              <a:buFont typeface="Arial" panose="020B0604020202020204" pitchFamily="34" charset="0"/>
+              <a:buNone/>
+              <a:defRPr sz="1600" kern="1200">
+                <a:solidFill>
+                  <a:schemeClr val="tx1"/>
+                </a:solidFill>
+                <a:latin typeface="+mn-lt"/>
+                <a:ea typeface="+mn-ea"/>
+                <a:cs typeface="+mn-cs"/>
+              </a:defRPr>
+            </a:lvl9pPr>
+          </a:lstStyle>
+          <a:p>
+            <a:endParaRPr lang="en-GB" sz="1400" dirty="0" smtClean="0">
+              <a:latin typeface="Brush King" panose="02000600000000000000" pitchFamily="50" charset="0"/>
+            </a:endParaRPr>
+          </a:p>
+          <a:p>
+            <a:r>
+              <a:rPr lang="en-GB" sz="1050" dirty="0" smtClean="0">
+                <a:latin typeface="Brush King" panose="02000600000000000000" pitchFamily="50" charset="0"/>
+              </a:rPr>
+              <a:t>brought </a:t>
+            </a:r>
+            <a:r>
+              <a:rPr lang="en-GB" sz="1050" dirty="0" smtClean="0">
+                <a:latin typeface="Brush King" panose="02000600000000000000" pitchFamily="50" charset="0"/>
+              </a:rPr>
+              <a:t>to you by the BDM lab</a:t>
+            </a:r>
+            <a:endParaRPr lang="en-GB" sz="1050" dirty="0">
+              <a:latin typeface="Brush King" panose="02000600000000000000" pitchFamily="50" charset="0"/>
+            </a:endParaRPr>
+          </a:p>
+        </p:txBody>
+      </p:sp>
+    </p:spTree>
+    <p:extLst>
+      <p:ext uri="{BB962C8B-B14F-4D97-AF65-F5344CB8AC3E}">
+        <p14:creationId xmlns:p14="http://schemas.microsoft.com/office/powerpoint/2010/main" val="1243445766"/>
+      </p:ext>
+    </p:extLst>
+  </p:cSld>
+  <p:clrMapOvr>
+    <a:masterClrMapping/>
+  </p:clrMapOvr>
+</p:sld>
+</file>
+
+<file path=ppt/slides/slide7.xml><?xml version="1.0" encoding="utf-8"?>
+<p:sld xmlns:a="http://schemas.openxmlformats.org/drawingml/2006/main" xmlns:r="http://schemas.openxmlformats.org/officeDocument/2006/relationships" xmlns:p="http://schemas.openxmlformats.org/presentationml/2006/main">
+  <p:cSld>
+    <p:spTree>
+      <p:nvGrpSpPr>
+        <p:cNvPr id="1" name=""/>
+        <p:cNvGrpSpPr/>
+        <p:nvPr/>
+      </p:nvGrpSpPr>
+      <p:grpSpPr>
+        <a:xfrm>
+          <a:off x="0" y="0"/>
+          <a:ext cx="0" cy="0"/>
+          <a:chOff x="0" y="0"/>
+          <a:chExt cx="0" cy="0"/>
+        </a:xfrm>
+      </p:grpSpPr>
+      <p:pic>
+        <p:nvPicPr>
+          <p:cNvPr id="4" name="Picture 3"/>
+          <p:cNvPicPr>
+            <a:picLocks noChangeAspect="1"/>
+          </p:cNvPicPr>
+          <p:nvPr/>
+        </p:nvPicPr>
+        <p:blipFill rotWithShape="1">
+          <a:blip r:embed="rId2"/>
+          <a:srcRect l="16026" t="12792" r="27564" b="31823"/>
+          <a:stretch/>
+        </p:blipFill>
+        <p:spPr>
+          <a:xfrm>
+            <a:off x="656491" y="609600"/>
+            <a:ext cx="10316309" cy="5697416"/>
+          </a:xfrm>
+          <a:prstGeom prst="rect">
+            <a:avLst/>
+          </a:prstGeom>
+        </p:spPr>
+      </p:pic>
+      <p:sp>
+        <p:nvSpPr>
+          <p:cNvPr id="6" name="Title 1"/>
+          <p:cNvSpPr txBox="1">
+            <a:spLocks/>
+          </p:cNvSpPr>
+          <p:nvPr/>
+        </p:nvSpPr>
+        <p:spPr>
+          <a:xfrm>
+            <a:off x="656491" y="609600"/>
+            <a:ext cx="10316309" cy="5954619"/>
+          </a:xfrm>
+          <a:prstGeom prst="rect">
+            <a:avLst/>
+          </a:prstGeom>
+          <a:solidFill>
+            <a:schemeClr val="bg1"/>
+          </a:solidFill>
+        </p:spPr>
+        <p:txBody>
+          <a:bodyPr vert="horz" lIns="91440" tIns="45720" rIns="91440" bIns="45720" rtlCol="0" anchor="ctr">
+            <a:normAutofit/>
+          </a:bodyPr>
+          <a:lstStyle>
+            <a:lvl1pPr algn="l" defTabSz="914400" rtl="0" eaLnBrk="1" latinLnBrk="0" hangingPunct="1">
+              <a:lnSpc>
+                <a:spcPct val="90000"/>
+              </a:lnSpc>
+              <a:spcBef>
+                <a:spcPct val="0"/>
+              </a:spcBef>
+              <a:buNone/>
+              <a:defRPr sz="4400" kern="1200">
+                <a:solidFill>
+                  <a:schemeClr val="tx1"/>
+                </a:solidFill>
+                <a:latin typeface="+mj-lt"/>
+                <a:ea typeface="+mj-ea"/>
+                <a:cs typeface="+mj-cs"/>
+              </a:defRPr>
+            </a:lvl1pPr>
+          </a:lstStyle>
+          <a:p>
+            <a:pPr algn="ctr"/>
+            <a:r>
+              <a:rPr lang="en-GB" sz="6600" dirty="0" smtClean="0">
+                <a:solidFill>
+                  <a:schemeClr val="accent5"/>
+                </a:solidFill>
+                <a:latin typeface="Brush King" panose="02000600000000000000" pitchFamily="50" charset="0"/>
+              </a:rPr>
+              <a:t>Whack a mole</a:t>
+            </a:r>
+          </a:p>
+          <a:p>
+            <a:pPr algn="ctr"/>
+            <a:endParaRPr lang="en-GB" sz="6600" dirty="0">
+              <a:solidFill>
+                <a:schemeClr val="accent5"/>
+              </a:solidFill>
+              <a:latin typeface="Brush King" panose="02000600000000000000" pitchFamily="50" charset="0"/>
+            </a:endParaRPr>
+          </a:p>
+        </p:txBody>
+      </p:sp>
+      <p:pic>
+        <p:nvPicPr>
+          <p:cNvPr id="7" name="Picture 6"/>
+          <p:cNvPicPr>
+            <a:picLocks noChangeAspect="1"/>
+          </p:cNvPicPr>
+          <p:nvPr/>
+        </p:nvPicPr>
+        <p:blipFill rotWithShape="1">
+          <a:blip r:embed="rId3">
+            <a:duotone>
+              <a:schemeClr val="accent3">
+                <a:shade val="45000"/>
+                <a:satMod val="135000"/>
+              </a:schemeClr>
+              <a:prstClr val="white"/>
+            </a:duotone>
+          </a:blip>
+          <a:srcRect t="48586"/>
+          <a:stretch/>
+        </p:blipFill>
+        <p:spPr>
+          <a:xfrm>
+            <a:off x="7802880" y="6067188"/>
+            <a:ext cx="3169920" cy="497031"/>
+          </a:xfrm>
+          <a:prstGeom prst="rect">
+            <a:avLst/>
+          </a:prstGeom>
+        </p:spPr>
+      </p:pic>
+      <p:pic>
+        <p:nvPicPr>
+          <p:cNvPr id="8" name="Picture 7"/>
+          <p:cNvPicPr>
+            <a:picLocks noChangeAspect="1"/>
+          </p:cNvPicPr>
+          <p:nvPr/>
+        </p:nvPicPr>
+        <p:blipFill rotWithShape="1">
+          <a:blip r:embed="rId3">
+            <a:duotone>
+              <a:schemeClr val="accent3">
+                <a:shade val="45000"/>
+                <a:satMod val="135000"/>
+              </a:schemeClr>
+              <a:prstClr val="white"/>
+            </a:duotone>
+          </a:blip>
+          <a:srcRect t="48586" r="53980"/>
+          <a:stretch/>
+        </p:blipFill>
+        <p:spPr>
+          <a:xfrm>
+            <a:off x="656492" y="6067188"/>
+            <a:ext cx="7705188" cy="497032"/>
+          </a:xfrm>
+          <a:prstGeom prst="rect">
+            <a:avLst/>
+          </a:prstGeom>
+        </p:spPr>
+      </p:pic>
+      <p:sp>
+        <p:nvSpPr>
+          <p:cNvPr id="9" name="Subtitle 2"/>
+          <p:cNvSpPr txBox="1">
+            <a:spLocks/>
+          </p:cNvSpPr>
+          <p:nvPr/>
+        </p:nvSpPr>
+        <p:spPr>
+          <a:xfrm>
+            <a:off x="2180491" y="5308898"/>
+            <a:ext cx="7737232" cy="602408"/>
+          </a:xfrm>
+          <a:prstGeom prst="rect">
+            <a:avLst/>
+          </a:prstGeom>
+        </p:spPr>
+        <p:txBody>
+          <a:bodyPr vert="horz" lIns="91440" tIns="45720" rIns="91440" bIns="45720" rtlCol="0">
+            <a:normAutofit/>
+          </a:bodyPr>
+          <a:lstStyle>
+            <a:lvl1pPr marL="0" indent="0" algn="ctr" defTabSz="914400" rtl="0" eaLnBrk="1" latinLnBrk="0" hangingPunct="1">
+              <a:lnSpc>
+                <a:spcPct val="90000"/>
+              </a:lnSpc>
+              <a:spcBef>
+                <a:spcPts val="1000"/>
+              </a:spcBef>
+              <a:buFont typeface="Arial" panose="020B0604020202020204" pitchFamily="34" charset="0"/>
+              <a:buNone/>
+              <a:defRPr sz="2400" kern="1200">
+                <a:solidFill>
+                  <a:schemeClr val="tx1"/>
+                </a:solidFill>
+                <a:latin typeface="+mn-lt"/>
+                <a:ea typeface="+mn-ea"/>
+                <a:cs typeface="+mn-cs"/>
+              </a:defRPr>
+            </a:lvl1pPr>
+            <a:lvl2pPr marL="457200" indent="0" algn="ctr" defTabSz="914400" rtl="0" eaLnBrk="1" latinLnBrk="0" hangingPunct="1">
+              <a:lnSpc>
+                <a:spcPct val="90000"/>
+              </a:lnSpc>
+              <a:spcBef>
+                <a:spcPts val="500"/>
+              </a:spcBef>
+              <a:buFont typeface="Arial" panose="020B0604020202020204" pitchFamily="34" charset="0"/>
+              <a:buNone/>
+              <a:defRPr sz="2000" kern="1200">
+                <a:solidFill>
+                  <a:schemeClr val="tx1"/>
+                </a:solidFill>
+                <a:latin typeface="+mn-lt"/>
+                <a:ea typeface="+mn-ea"/>
+                <a:cs typeface="+mn-cs"/>
+              </a:defRPr>
+            </a:lvl2pPr>
+            <a:lvl3pPr marL="914400" indent="0" algn="ctr" defTabSz="914400" rtl="0" eaLnBrk="1" latinLnBrk="0" hangingPunct="1">
+              <a:lnSpc>
+                <a:spcPct val="90000"/>
+              </a:lnSpc>
+              <a:spcBef>
+                <a:spcPts val="500"/>
+              </a:spcBef>
+              <a:buFont typeface="Arial" panose="020B0604020202020204" pitchFamily="34" charset="0"/>
+              <a:buNone/>
+              <a:defRPr sz="1800" kern="1200">
+                <a:solidFill>
+                  <a:schemeClr val="tx1"/>
+                </a:solidFill>
+                <a:latin typeface="+mn-lt"/>
+                <a:ea typeface="+mn-ea"/>
+                <a:cs typeface="+mn-cs"/>
+              </a:defRPr>
+            </a:lvl3pPr>
+            <a:lvl4pPr marL="1371600" indent="0" algn="ctr" defTabSz="914400" rtl="0" eaLnBrk="1" latinLnBrk="0" hangingPunct="1">
+              <a:lnSpc>
+                <a:spcPct val="90000"/>
+              </a:lnSpc>
+              <a:spcBef>
+                <a:spcPts val="500"/>
+              </a:spcBef>
+              <a:buFont typeface="Arial" panose="020B0604020202020204" pitchFamily="34" charset="0"/>
+              <a:buNone/>
+              <a:defRPr sz="1600" kern="1200">
+                <a:solidFill>
+                  <a:schemeClr val="tx1"/>
+                </a:solidFill>
+                <a:latin typeface="+mn-lt"/>
+                <a:ea typeface="+mn-ea"/>
+                <a:cs typeface="+mn-cs"/>
+              </a:defRPr>
+            </a:lvl4pPr>
+            <a:lvl5pPr marL="1828800" indent="0" algn="ctr" defTabSz="914400" rtl="0" eaLnBrk="1" latinLnBrk="0" hangingPunct="1">
+              <a:lnSpc>
+                <a:spcPct val="90000"/>
+              </a:lnSpc>
+              <a:spcBef>
+                <a:spcPts val="500"/>
+              </a:spcBef>
+              <a:buFont typeface="Arial" panose="020B0604020202020204" pitchFamily="34" charset="0"/>
+              <a:buNone/>
+              <a:defRPr sz="1600" kern="1200">
+                <a:solidFill>
+                  <a:schemeClr val="tx1"/>
+                </a:solidFill>
+                <a:latin typeface="+mn-lt"/>
+                <a:ea typeface="+mn-ea"/>
+                <a:cs typeface="+mn-cs"/>
+              </a:defRPr>
+            </a:lvl5pPr>
+            <a:lvl6pPr marL="2286000" indent="0" algn="ctr" defTabSz="914400" rtl="0" eaLnBrk="1" latinLnBrk="0" hangingPunct="1">
+              <a:lnSpc>
+                <a:spcPct val="90000"/>
+              </a:lnSpc>
+              <a:spcBef>
+                <a:spcPts val="500"/>
+              </a:spcBef>
+              <a:buFont typeface="Arial" panose="020B0604020202020204" pitchFamily="34" charset="0"/>
+              <a:buNone/>
+              <a:defRPr sz="1600" kern="1200">
+                <a:solidFill>
+                  <a:schemeClr val="tx1"/>
+                </a:solidFill>
+                <a:latin typeface="+mn-lt"/>
+                <a:ea typeface="+mn-ea"/>
+                <a:cs typeface="+mn-cs"/>
+              </a:defRPr>
+            </a:lvl6pPr>
+            <a:lvl7pPr marL="2743200" indent="0" algn="ctr" defTabSz="914400" rtl="0" eaLnBrk="1" latinLnBrk="0" hangingPunct="1">
+              <a:lnSpc>
+                <a:spcPct val="90000"/>
+              </a:lnSpc>
+              <a:spcBef>
+                <a:spcPts val="500"/>
+              </a:spcBef>
+              <a:buFont typeface="Arial" panose="020B0604020202020204" pitchFamily="34" charset="0"/>
+              <a:buNone/>
+              <a:defRPr sz="1600" kern="1200">
+                <a:solidFill>
+                  <a:schemeClr val="tx1"/>
+                </a:solidFill>
+                <a:latin typeface="+mn-lt"/>
+                <a:ea typeface="+mn-ea"/>
+                <a:cs typeface="+mn-cs"/>
+              </a:defRPr>
+            </a:lvl7pPr>
+            <a:lvl8pPr marL="3200400" indent="0" algn="ctr" defTabSz="914400" rtl="0" eaLnBrk="1" latinLnBrk="0" hangingPunct="1">
+              <a:lnSpc>
+                <a:spcPct val="90000"/>
+              </a:lnSpc>
+              <a:spcBef>
+                <a:spcPts val="500"/>
+              </a:spcBef>
+              <a:buFont typeface="Arial" panose="020B0604020202020204" pitchFamily="34" charset="0"/>
+              <a:buNone/>
+              <a:defRPr sz="1600" kern="1200">
+                <a:solidFill>
+                  <a:schemeClr val="tx1"/>
+                </a:solidFill>
+                <a:latin typeface="+mn-lt"/>
+                <a:ea typeface="+mn-ea"/>
+                <a:cs typeface="+mn-cs"/>
+              </a:defRPr>
+            </a:lvl8pPr>
+            <a:lvl9pPr marL="3657600" indent="0" algn="ctr" defTabSz="914400" rtl="0" eaLnBrk="1" latinLnBrk="0" hangingPunct="1">
+              <a:lnSpc>
+                <a:spcPct val="90000"/>
+              </a:lnSpc>
+              <a:spcBef>
+                <a:spcPts val="500"/>
+              </a:spcBef>
+              <a:buFont typeface="Arial" panose="020B0604020202020204" pitchFamily="34" charset="0"/>
+              <a:buNone/>
+              <a:defRPr sz="1600" kern="1200">
+                <a:solidFill>
+                  <a:schemeClr val="tx1"/>
+                </a:solidFill>
+                <a:latin typeface="+mn-lt"/>
+                <a:ea typeface="+mn-ea"/>
+                <a:cs typeface="+mn-cs"/>
+              </a:defRPr>
+            </a:lvl9pPr>
+          </a:lstStyle>
+          <a:p>
+            <a:endParaRPr lang="en-GB" sz="1400" dirty="0" smtClean="0">
+              <a:latin typeface="Brush King" panose="02000600000000000000" pitchFamily="50" charset="0"/>
+            </a:endParaRPr>
+          </a:p>
+          <a:p>
+            <a:r>
+              <a:rPr lang="en-GB" sz="1050" dirty="0" smtClean="0">
+                <a:latin typeface="Brush King" panose="02000600000000000000" pitchFamily="50" charset="0"/>
+              </a:rPr>
+              <a:t>brought </a:t>
+            </a:r>
+            <a:r>
+              <a:rPr lang="en-GB" sz="1050" dirty="0" smtClean="0">
+                <a:latin typeface="Brush King" panose="02000600000000000000" pitchFamily="50" charset="0"/>
+              </a:rPr>
+              <a:t>to you by the BDM lab</a:t>
+            </a:r>
+            <a:endParaRPr lang="en-GB" sz="1050" dirty="0">
+              <a:latin typeface="Brush King" panose="02000600000000000000" pitchFamily="50" charset="0"/>
+            </a:endParaRPr>
+          </a:p>
+        </p:txBody>
+      </p:sp>
+    </p:spTree>
+    <p:extLst>
+      <p:ext uri="{BB962C8B-B14F-4D97-AF65-F5344CB8AC3E}">
+        <p14:creationId xmlns:p14="http://schemas.microsoft.com/office/powerpoint/2010/main" val="3326736099"/>
       </p:ext>
     </p:extLst>
   </p:cSld>

--- a/images/Whack a mole.pptx
+++ b/images/Whack a mole.pptx
@@ -203,7 +203,7 @@
           <a:p>
             <a:fld id="{F8124032-DB74-4B24-9D6C-0DB73E286C2C}" type="datetimeFigureOut">
               <a:rPr lang="en-GB" smtClean="0"/>
-              <a:t>16/02/2020</a:t>
+              <a:t>22/03/2021</a:t>
             </a:fld>
             <a:endParaRPr lang="en-GB"/>
           </a:p>
@@ -267,35 +267,35 @@
           <a:p>
             <a:pPr lvl="0"/>
             <a:r>
-              <a:rPr lang="en-US" smtClean="0"/>
+              <a:rPr lang="en-US"/>
               <a:t>Edit Master text styles</a:t>
             </a:r>
           </a:p>
           <a:p>
             <a:pPr lvl="1"/>
             <a:r>
-              <a:rPr lang="en-US" smtClean="0"/>
+              <a:rPr lang="en-US"/>
               <a:t>Second level</a:t>
             </a:r>
           </a:p>
           <a:p>
             <a:pPr lvl="2"/>
             <a:r>
-              <a:rPr lang="en-US" smtClean="0"/>
+              <a:rPr lang="en-US"/>
               <a:t>Third level</a:t>
             </a:r>
           </a:p>
           <a:p>
             <a:pPr lvl="3"/>
             <a:r>
-              <a:rPr lang="en-US" smtClean="0"/>
+              <a:rPr lang="en-US"/>
               <a:t>Fourth level</a:t>
             </a:r>
           </a:p>
           <a:p>
             <a:pPr lvl="4"/>
             <a:r>
-              <a:rPr lang="en-US" smtClean="0"/>
+              <a:rPr lang="en-US"/>
               <a:t>Fifth level</a:t>
             </a:r>
             <a:endParaRPr lang="en-GB"/>
@@ -516,10 +516,9 @@
           <a:lstStyle/>
           <a:p>
             <a:r>
-              <a:rPr lang="en-GB" dirty="0" smtClean="0"/>
+              <a:rPr lang="en-GB" dirty="0"/>
               <a:t>8 by 2 the correct size</a:t>
             </a:r>
-            <a:endParaRPr lang="en-GB" dirty="0"/>
           </a:p>
         </p:txBody>
       </p:sp>
@@ -604,10 +603,9 @@
           <a:lstStyle/>
           <a:p>
             <a:r>
-              <a:rPr lang="en-GB" dirty="0" smtClean="0"/>
+              <a:rPr lang="en-GB" dirty="0"/>
               <a:t>8 by 2 the correct size</a:t>
             </a:r>
-            <a:endParaRPr lang="en-GB" dirty="0"/>
           </a:p>
         </p:txBody>
       </p:sp>
@@ -773,7 +771,7 @@
           </a:lstStyle>
           <a:p>
             <a:r>
-              <a:rPr lang="en-US" smtClean="0"/>
+              <a:rPr lang="en-US"/>
               <a:t>Click to edit Master title style</a:t>
             </a:r>
             <a:endParaRPr lang="en-GB"/>
@@ -838,7 +836,7 @@
           </a:lstStyle>
           <a:p>
             <a:r>
-              <a:rPr lang="en-US" smtClean="0"/>
+              <a:rPr lang="en-US"/>
               <a:t>Click to edit Master subtitle style</a:t>
             </a:r>
             <a:endParaRPr lang="en-GB"/>
@@ -862,7 +860,7 @@
           <a:p>
             <a:fld id="{AD5A3EC8-63D0-49CB-ABB2-40C0A298F0AD}" type="datetimeFigureOut">
               <a:rPr lang="en-GB" smtClean="0"/>
-              <a:t>16/02/2020</a:t>
+              <a:t>22/03/2021</a:t>
             </a:fld>
             <a:endParaRPr lang="en-GB"/>
           </a:p>
@@ -956,7 +954,7 @@
           <a:lstStyle/>
           <a:p>
             <a:r>
-              <a:rPr lang="en-US" smtClean="0"/>
+              <a:rPr lang="en-US"/>
               <a:t>Click to edit Master title style</a:t>
             </a:r>
             <a:endParaRPr lang="en-GB"/>
@@ -980,35 +978,35 @@
           <a:p>
             <a:pPr lvl="0"/>
             <a:r>
-              <a:rPr lang="en-US" smtClean="0"/>
+              <a:rPr lang="en-US"/>
               <a:t>Edit Master text styles</a:t>
             </a:r>
           </a:p>
           <a:p>
             <a:pPr lvl="1"/>
             <a:r>
-              <a:rPr lang="en-US" smtClean="0"/>
+              <a:rPr lang="en-US"/>
               <a:t>Second level</a:t>
             </a:r>
           </a:p>
           <a:p>
             <a:pPr lvl="2"/>
             <a:r>
-              <a:rPr lang="en-US" smtClean="0"/>
+              <a:rPr lang="en-US"/>
               <a:t>Third level</a:t>
             </a:r>
           </a:p>
           <a:p>
             <a:pPr lvl="3"/>
             <a:r>
-              <a:rPr lang="en-US" smtClean="0"/>
+              <a:rPr lang="en-US"/>
               <a:t>Fourth level</a:t>
             </a:r>
           </a:p>
           <a:p>
             <a:pPr lvl="4"/>
             <a:r>
-              <a:rPr lang="en-US" smtClean="0"/>
+              <a:rPr lang="en-US"/>
               <a:t>Fifth level</a:t>
             </a:r>
             <a:endParaRPr lang="en-GB"/>
@@ -1032,7 +1030,7 @@
           <a:p>
             <a:fld id="{AD5A3EC8-63D0-49CB-ABB2-40C0A298F0AD}" type="datetimeFigureOut">
               <a:rPr lang="en-GB" smtClean="0"/>
-              <a:t>16/02/2020</a:t>
+              <a:t>22/03/2021</a:t>
             </a:fld>
             <a:endParaRPr lang="en-GB"/>
           </a:p>
@@ -1131,7 +1129,7 @@
           <a:lstStyle/>
           <a:p>
             <a:r>
-              <a:rPr lang="en-US" smtClean="0"/>
+              <a:rPr lang="en-US"/>
               <a:t>Click to edit Master title style</a:t>
             </a:r>
             <a:endParaRPr lang="en-GB"/>
@@ -1160,35 +1158,35 @@
           <a:p>
             <a:pPr lvl="0"/>
             <a:r>
-              <a:rPr lang="en-US" smtClean="0"/>
+              <a:rPr lang="en-US"/>
               <a:t>Edit Master text styles</a:t>
             </a:r>
           </a:p>
           <a:p>
             <a:pPr lvl="1"/>
             <a:r>
-              <a:rPr lang="en-US" smtClean="0"/>
+              <a:rPr lang="en-US"/>
               <a:t>Second level</a:t>
             </a:r>
           </a:p>
           <a:p>
             <a:pPr lvl="2"/>
             <a:r>
-              <a:rPr lang="en-US" smtClean="0"/>
+              <a:rPr lang="en-US"/>
               <a:t>Third level</a:t>
             </a:r>
           </a:p>
           <a:p>
             <a:pPr lvl="3"/>
             <a:r>
-              <a:rPr lang="en-US" smtClean="0"/>
+              <a:rPr lang="en-US"/>
               <a:t>Fourth level</a:t>
             </a:r>
           </a:p>
           <a:p>
             <a:pPr lvl="4"/>
             <a:r>
-              <a:rPr lang="en-US" smtClean="0"/>
+              <a:rPr lang="en-US"/>
               <a:t>Fifth level</a:t>
             </a:r>
             <a:endParaRPr lang="en-GB"/>
@@ -1212,7 +1210,7 @@
           <a:p>
             <a:fld id="{AD5A3EC8-63D0-49CB-ABB2-40C0A298F0AD}" type="datetimeFigureOut">
               <a:rPr lang="en-GB" smtClean="0"/>
-              <a:t>16/02/2020</a:t>
+              <a:t>22/03/2021</a:t>
             </a:fld>
             <a:endParaRPr lang="en-GB"/>
           </a:p>
@@ -1306,7 +1304,7 @@
           <a:lstStyle/>
           <a:p>
             <a:r>
-              <a:rPr lang="en-US" smtClean="0"/>
+              <a:rPr lang="en-US"/>
               <a:t>Click to edit Master title style</a:t>
             </a:r>
             <a:endParaRPr lang="en-GB"/>
@@ -1330,35 +1328,35 @@
           <a:p>
             <a:pPr lvl="0"/>
             <a:r>
-              <a:rPr lang="en-US" smtClean="0"/>
+              <a:rPr lang="en-US"/>
               <a:t>Edit Master text styles</a:t>
             </a:r>
           </a:p>
           <a:p>
             <a:pPr lvl="1"/>
             <a:r>
-              <a:rPr lang="en-US" smtClean="0"/>
+              <a:rPr lang="en-US"/>
               <a:t>Second level</a:t>
             </a:r>
           </a:p>
           <a:p>
             <a:pPr lvl="2"/>
             <a:r>
-              <a:rPr lang="en-US" smtClean="0"/>
+              <a:rPr lang="en-US"/>
               <a:t>Third level</a:t>
             </a:r>
           </a:p>
           <a:p>
             <a:pPr lvl="3"/>
             <a:r>
-              <a:rPr lang="en-US" smtClean="0"/>
+              <a:rPr lang="en-US"/>
               <a:t>Fourth level</a:t>
             </a:r>
           </a:p>
           <a:p>
             <a:pPr lvl="4"/>
             <a:r>
-              <a:rPr lang="en-US" smtClean="0"/>
+              <a:rPr lang="en-US"/>
               <a:t>Fifth level</a:t>
             </a:r>
             <a:endParaRPr lang="en-GB"/>
@@ -1382,7 +1380,7 @@
           <a:p>
             <a:fld id="{AD5A3EC8-63D0-49CB-ABB2-40C0A298F0AD}" type="datetimeFigureOut">
               <a:rPr lang="en-GB" smtClean="0"/>
-              <a:t>16/02/2020</a:t>
+              <a:t>22/03/2021</a:t>
             </a:fld>
             <a:endParaRPr lang="en-GB"/>
           </a:p>
@@ -1485,7 +1483,7 @@
           </a:lstStyle>
           <a:p>
             <a:r>
-              <a:rPr lang="en-US" smtClean="0"/>
+              <a:rPr lang="en-US"/>
               <a:t>Click to edit Master title style</a:t>
             </a:r>
             <a:endParaRPr lang="en-GB"/>
@@ -1605,7 +1603,7 @@
           <a:p>
             <a:pPr lvl="0"/>
             <a:r>
-              <a:rPr lang="en-US" smtClean="0"/>
+              <a:rPr lang="en-US"/>
               <a:t>Edit Master text styles</a:t>
             </a:r>
           </a:p>
@@ -1628,7 +1626,7 @@
           <a:p>
             <a:fld id="{AD5A3EC8-63D0-49CB-ABB2-40C0A298F0AD}" type="datetimeFigureOut">
               <a:rPr lang="en-GB" smtClean="0"/>
-              <a:t>16/02/2020</a:t>
+              <a:t>22/03/2021</a:t>
             </a:fld>
             <a:endParaRPr lang="en-GB"/>
           </a:p>
@@ -1722,7 +1720,7 @@
           <a:lstStyle/>
           <a:p>
             <a:r>
-              <a:rPr lang="en-US" smtClean="0"/>
+              <a:rPr lang="en-US"/>
               <a:t>Click to edit Master title style</a:t>
             </a:r>
             <a:endParaRPr lang="en-GB"/>
@@ -1751,35 +1749,35 @@
           <a:p>
             <a:pPr lvl="0"/>
             <a:r>
-              <a:rPr lang="en-US" smtClean="0"/>
+              <a:rPr lang="en-US"/>
               <a:t>Edit Master text styles</a:t>
             </a:r>
           </a:p>
           <a:p>
             <a:pPr lvl="1"/>
             <a:r>
-              <a:rPr lang="en-US" smtClean="0"/>
+              <a:rPr lang="en-US"/>
               <a:t>Second level</a:t>
             </a:r>
           </a:p>
           <a:p>
             <a:pPr lvl="2"/>
             <a:r>
-              <a:rPr lang="en-US" smtClean="0"/>
+              <a:rPr lang="en-US"/>
               <a:t>Third level</a:t>
             </a:r>
           </a:p>
           <a:p>
             <a:pPr lvl="3"/>
             <a:r>
-              <a:rPr lang="en-US" smtClean="0"/>
+              <a:rPr lang="en-US"/>
               <a:t>Fourth level</a:t>
             </a:r>
           </a:p>
           <a:p>
             <a:pPr lvl="4"/>
             <a:r>
-              <a:rPr lang="en-US" smtClean="0"/>
+              <a:rPr lang="en-US"/>
               <a:t>Fifth level</a:t>
             </a:r>
             <a:endParaRPr lang="en-GB"/>
@@ -1808,35 +1806,35 @@
           <a:p>
             <a:pPr lvl="0"/>
             <a:r>
-              <a:rPr lang="en-US" smtClean="0"/>
+              <a:rPr lang="en-US"/>
               <a:t>Edit Master text styles</a:t>
             </a:r>
           </a:p>
           <a:p>
             <a:pPr lvl="1"/>
             <a:r>
-              <a:rPr lang="en-US" smtClean="0"/>
+              <a:rPr lang="en-US"/>
               <a:t>Second level</a:t>
             </a:r>
           </a:p>
           <a:p>
             <a:pPr lvl="2"/>
             <a:r>
-              <a:rPr lang="en-US" smtClean="0"/>
+              <a:rPr lang="en-US"/>
               <a:t>Third level</a:t>
             </a:r>
           </a:p>
           <a:p>
             <a:pPr lvl="3"/>
             <a:r>
-              <a:rPr lang="en-US" smtClean="0"/>
+              <a:rPr lang="en-US"/>
               <a:t>Fourth level</a:t>
             </a:r>
           </a:p>
           <a:p>
             <a:pPr lvl="4"/>
             <a:r>
-              <a:rPr lang="en-US" smtClean="0"/>
+              <a:rPr lang="en-US"/>
               <a:t>Fifth level</a:t>
             </a:r>
             <a:endParaRPr lang="en-GB"/>
@@ -1860,7 +1858,7 @@
           <a:p>
             <a:fld id="{AD5A3EC8-63D0-49CB-ABB2-40C0A298F0AD}" type="datetimeFigureOut">
               <a:rPr lang="en-GB" smtClean="0"/>
-              <a:t>16/02/2020</a:t>
+              <a:t>22/03/2021</a:t>
             </a:fld>
             <a:endParaRPr lang="en-GB"/>
           </a:p>
@@ -1959,7 +1957,7 @@
           <a:lstStyle/>
           <a:p>
             <a:r>
-              <a:rPr lang="en-US" smtClean="0"/>
+              <a:rPr lang="en-US"/>
               <a:t>Click to edit Master title style</a:t>
             </a:r>
             <a:endParaRPr lang="en-GB"/>
@@ -2025,7 +2023,7 @@
           <a:p>
             <a:pPr lvl="0"/>
             <a:r>
-              <a:rPr lang="en-US" smtClean="0"/>
+              <a:rPr lang="en-US"/>
               <a:t>Edit Master text styles</a:t>
             </a:r>
           </a:p>
@@ -2053,35 +2051,35 @@
           <a:p>
             <a:pPr lvl="0"/>
             <a:r>
-              <a:rPr lang="en-US" smtClean="0"/>
+              <a:rPr lang="en-US"/>
               <a:t>Edit Master text styles</a:t>
             </a:r>
           </a:p>
           <a:p>
             <a:pPr lvl="1"/>
             <a:r>
-              <a:rPr lang="en-US" smtClean="0"/>
+              <a:rPr lang="en-US"/>
               <a:t>Second level</a:t>
             </a:r>
           </a:p>
           <a:p>
             <a:pPr lvl="2"/>
             <a:r>
-              <a:rPr lang="en-US" smtClean="0"/>
+              <a:rPr lang="en-US"/>
               <a:t>Third level</a:t>
             </a:r>
           </a:p>
           <a:p>
             <a:pPr lvl="3"/>
             <a:r>
-              <a:rPr lang="en-US" smtClean="0"/>
+              <a:rPr lang="en-US"/>
               <a:t>Fourth level</a:t>
             </a:r>
           </a:p>
           <a:p>
             <a:pPr lvl="4"/>
             <a:r>
-              <a:rPr lang="en-US" smtClean="0"/>
+              <a:rPr lang="en-US"/>
               <a:t>Fifth level</a:t>
             </a:r>
             <a:endParaRPr lang="en-GB"/>
@@ -2147,7 +2145,7 @@
           <a:p>
             <a:pPr lvl="0"/>
             <a:r>
-              <a:rPr lang="en-US" smtClean="0"/>
+              <a:rPr lang="en-US"/>
               <a:t>Edit Master text styles</a:t>
             </a:r>
           </a:p>
@@ -2175,35 +2173,35 @@
           <a:p>
             <a:pPr lvl="0"/>
             <a:r>
-              <a:rPr lang="en-US" smtClean="0"/>
+              <a:rPr lang="en-US"/>
               <a:t>Edit Master text styles</a:t>
             </a:r>
           </a:p>
           <a:p>
             <a:pPr lvl="1"/>
             <a:r>
-              <a:rPr lang="en-US" smtClean="0"/>
+              <a:rPr lang="en-US"/>
               <a:t>Second level</a:t>
             </a:r>
           </a:p>
           <a:p>
             <a:pPr lvl="2"/>
             <a:r>
-              <a:rPr lang="en-US" smtClean="0"/>
+              <a:rPr lang="en-US"/>
               <a:t>Third level</a:t>
             </a:r>
           </a:p>
           <a:p>
             <a:pPr lvl="3"/>
             <a:r>
-              <a:rPr lang="en-US" smtClean="0"/>
+              <a:rPr lang="en-US"/>
               <a:t>Fourth level</a:t>
             </a:r>
           </a:p>
           <a:p>
             <a:pPr lvl="4"/>
             <a:r>
-              <a:rPr lang="en-US" smtClean="0"/>
+              <a:rPr lang="en-US"/>
               <a:t>Fifth level</a:t>
             </a:r>
             <a:endParaRPr lang="en-GB"/>
@@ -2227,7 +2225,7 @@
           <a:p>
             <a:fld id="{AD5A3EC8-63D0-49CB-ABB2-40C0A298F0AD}" type="datetimeFigureOut">
               <a:rPr lang="en-GB" smtClean="0"/>
-              <a:t>16/02/2020</a:t>
+              <a:t>22/03/2021</a:t>
             </a:fld>
             <a:endParaRPr lang="en-GB"/>
           </a:p>
@@ -2321,7 +2319,7 @@
           <a:lstStyle/>
           <a:p>
             <a:r>
-              <a:rPr lang="en-US" smtClean="0"/>
+              <a:rPr lang="en-US"/>
               <a:t>Click to edit Master title style</a:t>
             </a:r>
             <a:endParaRPr lang="en-GB"/>
@@ -2345,7 +2343,7 @@
           <a:p>
             <a:fld id="{AD5A3EC8-63D0-49CB-ABB2-40C0A298F0AD}" type="datetimeFigureOut">
               <a:rPr lang="en-GB" smtClean="0"/>
-              <a:t>16/02/2020</a:t>
+              <a:t>22/03/2021</a:t>
             </a:fld>
             <a:endParaRPr lang="en-GB"/>
           </a:p>
@@ -2440,7 +2438,7 @@
           <a:p>
             <a:fld id="{AD5A3EC8-63D0-49CB-ABB2-40C0A298F0AD}" type="datetimeFigureOut">
               <a:rPr lang="en-GB" smtClean="0"/>
-              <a:t>16/02/2020</a:t>
+              <a:t>22/03/2021</a:t>
             </a:fld>
             <a:endParaRPr lang="en-GB"/>
           </a:p>
@@ -2543,7 +2541,7 @@
           </a:lstStyle>
           <a:p>
             <a:r>
-              <a:rPr lang="en-US" smtClean="0"/>
+              <a:rPr lang="en-US"/>
               <a:t>Click to edit Master title style</a:t>
             </a:r>
             <a:endParaRPr lang="en-GB"/>
@@ -2600,35 +2598,35 @@
           <a:p>
             <a:pPr lvl="0"/>
             <a:r>
-              <a:rPr lang="en-US" smtClean="0"/>
+              <a:rPr lang="en-US"/>
               <a:t>Edit Master text styles</a:t>
             </a:r>
           </a:p>
           <a:p>
             <a:pPr lvl="1"/>
             <a:r>
-              <a:rPr lang="en-US" smtClean="0"/>
+              <a:rPr lang="en-US"/>
               <a:t>Second level</a:t>
             </a:r>
           </a:p>
           <a:p>
             <a:pPr lvl="2"/>
             <a:r>
-              <a:rPr lang="en-US" smtClean="0"/>
+              <a:rPr lang="en-US"/>
               <a:t>Third level</a:t>
             </a:r>
           </a:p>
           <a:p>
             <a:pPr lvl="3"/>
             <a:r>
-              <a:rPr lang="en-US" smtClean="0"/>
+              <a:rPr lang="en-US"/>
               <a:t>Fourth level</a:t>
             </a:r>
           </a:p>
           <a:p>
             <a:pPr lvl="4"/>
             <a:r>
-              <a:rPr lang="en-US" smtClean="0"/>
+              <a:rPr lang="en-US"/>
               <a:t>Fifth level</a:t>
             </a:r>
             <a:endParaRPr lang="en-GB"/>
@@ -2694,7 +2692,7 @@
           <a:p>
             <a:pPr lvl="0"/>
             <a:r>
-              <a:rPr lang="en-US" smtClean="0"/>
+              <a:rPr lang="en-US"/>
               <a:t>Edit Master text styles</a:t>
             </a:r>
           </a:p>
@@ -2717,7 +2715,7 @@
           <a:p>
             <a:fld id="{AD5A3EC8-63D0-49CB-ABB2-40C0A298F0AD}" type="datetimeFigureOut">
               <a:rPr lang="en-GB" smtClean="0"/>
-              <a:t>16/02/2020</a:t>
+              <a:t>22/03/2021</a:t>
             </a:fld>
             <a:endParaRPr lang="en-GB"/>
           </a:p>
@@ -2820,7 +2818,7 @@
           </a:lstStyle>
           <a:p>
             <a:r>
-              <a:rPr lang="en-US" smtClean="0"/>
+              <a:rPr lang="en-US"/>
               <a:t>Click to edit Master title style</a:t>
             </a:r>
             <a:endParaRPr lang="en-GB"/>
@@ -2947,7 +2945,7 @@
           <a:p>
             <a:pPr lvl="0"/>
             <a:r>
-              <a:rPr lang="en-US" smtClean="0"/>
+              <a:rPr lang="en-US"/>
               <a:t>Edit Master text styles</a:t>
             </a:r>
           </a:p>
@@ -2970,7 +2968,7 @@
           <a:p>
             <a:fld id="{AD5A3EC8-63D0-49CB-ABB2-40C0A298F0AD}" type="datetimeFigureOut">
               <a:rPr lang="en-GB" smtClean="0"/>
-              <a:t>16/02/2020</a:t>
+              <a:t>22/03/2021</a:t>
             </a:fld>
             <a:endParaRPr lang="en-GB"/>
           </a:p>
@@ -3079,7 +3077,7 @@
           <a:lstStyle/>
           <a:p>
             <a:r>
-              <a:rPr lang="en-US" smtClean="0"/>
+              <a:rPr lang="en-US"/>
               <a:t>Click to edit Master title style</a:t>
             </a:r>
             <a:endParaRPr lang="en-GB"/>
@@ -3113,35 +3111,35 @@
           <a:p>
             <a:pPr lvl="0"/>
             <a:r>
-              <a:rPr lang="en-US" smtClean="0"/>
+              <a:rPr lang="en-US"/>
               <a:t>Edit Master text styles</a:t>
             </a:r>
           </a:p>
           <a:p>
             <a:pPr lvl="1"/>
             <a:r>
-              <a:rPr lang="en-US" smtClean="0"/>
+              <a:rPr lang="en-US"/>
               <a:t>Second level</a:t>
             </a:r>
           </a:p>
           <a:p>
             <a:pPr lvl="2"/>
             <a:r>
-              <a:rPr lang="en-US" smtClean="0"/>
+              <a:rPr lang="en-US"/>
               <a:t>Third level</a:t>
             </a:r>
           </a:p>
           <a:p>
             <a:pPr lvl="3"/>
             <a:r>
-              <a:rPr lang="en-US" smtClean="0"/>
+              <a:rPr lang="en-US"/>
               <a:t>Fourth level</a:t>
             </a:r>
           </a:p>
           <a:p>
             <a:pPr lvl="4"/>
             <a:r>
-              <a:rPr lang="en-US" smtClean="0"/>
+              <a:rPr lang="en-US"/>
               <a:t>Fifth level</a:t>
             </a:r>
             <a:endParaRPr lang="en-GB"/>
@@ -3183,7 +3181,7 @@
           <a:p>
             <a:fld id="{AD5A3EC8-63D0-49CB-ABB2-40C0A298F0AD}" type="datetimeFigureOut">
               <a:rPr lang="en-GB" smtClean="0"/>
-              <a:t>16/02/2020</a:t>
+              <a:t>22/03/2021</a:t>
             </a:fld>
             <a:endParaRPr lang="en-GB"/>
           </a:p>
@@ -3657,7 +3655,7 @@
           <a:lstStyle/>
           <a:p>
             <a:r>
-              <a:rPr lang="en-GB" dirty="0" smtClean="0">
+              <a:rPr lang="en-GB" dirty="0">
                 <a:solidFill>
                   <a:schemeClr val="accent5"/>
                 </a:solidFill>
@@ -3665,12 +3663,6 @@
               </a:rPr>
               <a:t>Whack a mole</a:t>
             </a:r>
-            <a:endParaRPr lang="en-GB" dirty="0">
-              <a:solidFill>
-                <a:schemeClr val="accent5"/>
-              </a:solidFill>
-              <a:latin typeface="Brush King" panose="02000600000000000000" pitchFamily="50" charset="0"/>
-            </a:endParaRPr>
           </a:p>
         </p:txBody>
       </p:sp>
@@ -4415,13 +4407,13 @@
             </a:lvl9pPr>
           </a:lstStyle>
           <a:p>
-            <a:endParaRPr lang="en-GB" sz="1400" dirty="0" smtClean="0">
+            <a:endParaRPr lang="en-GB" sz="1400" dirty="0">
               <a:latin typeface="Brush King" panose="02000600000000000000" pitchFamily="50" charset="0"/>
             </a:endParaRPr>
           </a:p>
           <a:p>
             <a:r>
-              <a:rPr lang="en-GB" sz="2000" dirty="0" smtClean="0">
+              <a:rPr lang="en-GB" sz="2000" dirty="0">
                 <a:latin typeface="Brush King" panose="02000600000000000000" pitchFamily="50" charset="0"/>
               </a:rPr>
               <a:t>Press ‘c’ to start</a:t>
@@ -4433,20 +4425,17 @@
             </a:endParaRPr>
           </a:p>
           <a:p>
-            <a:endParaRPr lang="en-GB" sz="1050" dirty="0" smtClean="0">
+            <a:endParaRPr lang="en-GB" sz="1050" dirty="0">
               <a:latin typeface="Brush King" panose="02000600000000000000" pitchFamily="50" charset="0"/>
             </a:endParaRPr>
           </a:p>
           <a:p>
             <a:r>
-              <a:rPr lang="en-GB" sz="1050" dirty="0" smtClean="0">
+              <a:rPr lang="en-GB" sz="1050" dirty="0">
                 <a:latin typeface="Brush King" panose="02000600000000000000" pitchFamily="50" charset="0"/>
               </a:rPr>
               <a:t>brought to you by the BDM lab</a:t>
             </a:r>
-            <a:endParaRPr lang="en-GB" sz="1050" dirty="0">
-              <a:latin typeface="Brush King" panose="02000600000000000000" pitchFamily="50" charset="0"/>
-            </a:endParaRPr>
           </a:p>
         </p:txBody>
       </p:sp>
@@ -4705,7 +4694,7 @@
           <a:lstStyle/>
           <a:p>
             <a:r>
-              <a:rPr lang="en-GB" dirty="0" smtClean="0">
+              <a:rPr lang="en-GB" dirty="0">
                 <a:solidFill>
                   <a:schemeClr val="accent5"/>
                 </a:solidFill>
@@ -4713,12 +4702,6 @@
               </a:rPr>
               <a:t>Whack a mole</a:t>
             </a:r>
-            <a:endParaRPr lang="en-GB" dirty="0">
-              <a:solidFill>
-                <a:schemeClr val="accent5"/>
-              </a:solidFill>
-              <a:latin typeface="Brush King" panose="02000600000000000000" pitchFamily="50" charset="0"/>
-            </a:endParaRPr>
           </a:p>
         </p:txBody>
       </p:sp>
@@ -4908,24 +4891,24 @@
             </a:lvl9pPr>
           </a:lstStyle>
           <a:p>
-            <a:endParaRPr lang="en-GB" sz="1400" dirty="0" smtClean="0">
+            <a:endParaRPr lang="en-GB" sz="1400" dirty="0">
               <a:latin typeface="Brush King" panose="02000600000000000000" pitchFamily="50" charset="0"/>
             </a:endParaRPr>
           </a:p>
           <a:p>
             <a:r>
-              <a:rPr lang="en-GB" sz="2000" dirty="0" smtClean="0">
+              <a:rPr lang="en-GB" sz="2000" dirty="0">
                 <a:latin typeface="Brush King" panose="02000600000000000000" pitchFamily="50" charset="0"/>
               </a:rPr>
               <a:t>Thanks for </a:t>
             </a:r>
             <a:r>
-              <a:rPr lang="en-GB" sz="2000" dirty="0" err="1" smtClean="0">
+              <a:rPr lang="en-GB" sz="2000" dirty="0" err="1">
                 <a:latin typeface="Brush King" panose="02000600000000000000" pitchFamily="50" charset="0"/>
               </a:rPr>
               <a:t>playinG</a:t>
             </a:r>
-            <a:endParaRPr lang="en-GB" sz="2000" dirty="0" smtClean="0">
+            <a:endParaRPr lang="en-GB" sz="2000" dirty="0">
               <a:latin typeface="Brush King" panose="02000600000000000000" pitchFamily="50" charset="0"/>
             </a:endParaRPr>
           </a:p>
@@ -4935,58 +4918,58 @@
             </a:endParaRPr>
           </a:p>
           <a:p>
-            <a:endParaRPr lang="en-GB" sz="1050" dirty="0" smtClean="0">
-              <a:latin typeface="Brush King" panose="02000600000000000000" pitchFamily="50" charset="0"/>
-            </a:endParaRPr>
-          </a:p>
-          <a:p>
             <a:endParaRPr lang="en-GB" sz="1050" dirty="0">
               <a:latin typeface="Brush King" panose="02000600000000000000" pitchFamily="50" charset="0"/>
             </a:endParaRPr>
           </a:p>
           <a:p>
-            <a:endParaRPr lang="en-GB" sz="1050" dirty="0" smtClean="0">
-              <a:latin typeface="Brush King" panose="02000600000000000000" pitchFamily="50" charset="0"/>
-            </a:endParaRPr>
-          </a:p>
-          <a:p>
             <a:endParaRPr lang="en-GB" sz="1050" dirty="0">
               <a:latin typeface="Brush King" panose="02000600000000000000" pitchFamily="50" charset="0"/>
             </a:endParaRPr>
           </a:p>
           <a:p>
-            <a:endParaRPr lang="en-GB" sz="1050" dirty="0" smtClean="0">
-              <a:latin typeface="Brush King" panose="02000600000000000000" pitchFamily="50" charset="0"/>
-            </a:endParaRPr>
-          </a:p>
-          <a:p>
             <a:endParaRPr lang="en-GB" sz="1050" dirty="0">
               <a:latin typeface="Brush King" panose="02000600000000000000" pitchFamily="50" charset="0"/>
             </a:endParaRPr>
           </a:p>
           <a:p>
-            <a:endParaRPr lang="en-GB" sz="1050" dirty="0" smtClean="0">
-              <a:latin typeface="Brush King" panose="02000600000000000000" pitchFamily="50" charset="0"/>
-            </a:endParaRPr>
-          </a:p>
-          <a:p>
             <a:endParaRPr lang="en-GB" sz="1050" dirty="0">
               <a:latin typeface="Brush King" panose="02000600000000000000" pitchFamily="50" charset="0"/>
             </a:endParaRPr>
           </a:p>
           <a:p>
-            <a:endParaRPr lang="en-GB" sz="1050" dirty="0" smtClean="0">
-              <a:latin typeface="Brush King" panose="02000600000000000000" pitchFamily="50" charset="0"/>
-            </a:endParaRPr>
-          </a:p>
-          <a:p>
             <a:endParaRPr lang="en-GB" sz="1050" dirty="0">
               <a:latin typeface="Brush King" panose="02000600000000000000" pitchFamily="50" charset="0"/>
             </a:endParaRPr>
           </a:p>
           <a:p>
-            <a:r>
-              <a:rPr lang="en-GB" sz="1050" dirty="0" smtClean="0">
+            <a:endParaRPr lang="en-GB" sz="1050" dirty="0">
+              <a:latin typeface="Brush King" panose="02000600000000000000" pitchFamily="50" charset="0"/>
+            </a:endParaRPr>
+          </a:p>
+          <a:p>
+            <a:endParaRPr lang="en-GB" sz="1050" dirty="0">
+              <a:latin typeface="Brush King" panose="02000600000000000000" pitchFamily="50" charset="0"/>
+            </a:endParaRPr>
+          </a:p>
+          <a:p>
+            <a:endParaRPr lang="en-GB" sz="1050" dirty="0">
+              <a:latin typeface="Brush King" panose="02000600000000000000" pitchFamily="50" charset="0"/>
+            </a:endParaRPr>
+          </a:p>
+          <a:p>
+            <a:endParaRPr lang="en-GB" sz="1050" dirty="0">
+              <a:latin typeface="Brush King" panose="02000600000000000000" pitchFamily="50" charset="0"/>
+            </a:endParaRPr>
+          </a:p>
+          <a:p>
+            <a:endParaRPr lang="en-GB" sz="1050" dirty="0">
+              <a:latin typeface="Brush King" panose="02000600000000000000" pitchFamily="50" charset="0"/>
+            </a:endParaRPr>
+          </a:p>
+          <a:p>
+            <a:r>
+              <a:rPr lang="en-GB" sz="1050" dirty="0">
                 <a:latin typeface="Brush King" panose="02000600000000000000" pitchFamily="50" charset="0"/>
               </a:rPr>
               <a:t>You can close the game using the top right x button</a:t>
@@ -4998,25 +4981,22 @@
             </a:endParaRPr>
           </a:p>
           <a:p>
-            <a:endParaRPr lang="en-GB" sz="1050" dirty="0" smtClean="0">
-              <a:latin typeface="Brush King" panose="02000600000000000000" pitchFamily="50" charset="0"/>
-            </a:endParaRPr>
-          </a:p>
-          <a:p>
             <a:endParaRPr lang="en-GB" sz="1050" dirty="0">
               <a:latin typeface="Brush King" panose="02000600000000000000" pitchFamily="50" charset="0"/>
             </a:endParaRPr>
           </a:p>
           <a:p>
-            <a:r>
-              <a:rPr lang="en-GB" sz="1050" dirty="0" smtClean="0">
+            <a:endParaRPr lang="en-GB" sz="1050" dirty="0">
+              <a:latin typeface="Brush King" panose="02000600000000000000" pitchFamily="50" charset="0"/>
+            </a:endParaRPr>
+          </a:p>
+          <a:p>
+            <a:r>
+              <a:rPr lang="en-GB" sz="1050" dirty="0">
                 <a:latin typeface="Brush King" panose="02000600000000000000" pitchFamily="50" charset="0"/>
               </a:rPr>
               <a:t>brought to you by the BDM lab</a:t>
             </a:r>
-            <a:endParaRPr lang="en-GB" sz="1050" dirty="0">
-              <a:latin typeface="Brush King" panose="02000600000000000000" pitchFamily="50" charset="0"/>
-            </a:endParaRPr>
           </a:p>
         </p:txBody>
       </p:sp>
@@ -5230,6 +5210,231 @@
           </a:ln>
         </p:spPr>
       </p:pic>
+      <p:pic>
+        <p:nvPicPr>
+          <p:cNvPr id="3" name="Picture 2">
+            <a:extLst>
+              <a:ext uri="{FF2B5EF4-FFF2-40B4-BE49-F238E27FC236}">
+                <a16:creationId xmlns:a16="http://schemas.microsoft.com/office/drawing/2014/main" id="{C40044EA-41FE-455F-B887-BB0FC519B31D}"/>
+              </a:ext>
+            </a:extLst>
+          </p:cNvPr>
+          <p:cNvPicPr>
+            <a:picLocks noChangeAspect="1"/>
+          </p:cNvPicPr>
+          <p:nvPr/>
+        </p:nvPicPr>
+        <p:blipFill>
+          <a:blip r:embed="rId3">
+            <a:extLst>
+              <a:ext uri="{28A0092B-C50C-407E-A947-70E740481C1C}">
+                <a14:useLocalDpi xmlns:a14="http://schemas.microsoft.com/office/drawing/2010/main" val="0"/>
+              </a:ext>
+            </a:extLst>
+          </a:blip>
+          <a:stretch>
+            <a:fillRect/>
+          </a:stretch>
+        </p:blipFill>
+        <p:spPr>
+          <a:xfrm>
+            <a:off x="-25539" y="4244920"/>
+            <a:ext cx="9187468" cy="4267570"/>
+          </a:xfrm>
+          <a:prstGeom prst="rect">
+            <a:avLst/>
+          </a:prstGeom>
+        </p:spPr>
+      </p:pic>
+      <p:sp>
+        <p:nvSpPr>
+          <p:cNvPr id="4" name="Rectangle 3">
+            <a:extLst>
+              <a:ext uri="{FF2B5EF4-FFF2-40B4-BE49-F238E27FC236}">
+                <a16:creationId xmlns:a16="http://schemas.microsoft.com/office/drawing/2014/main" id="{EED571CC-B43C-4017-A803-B53282226DDF}"/>
+              </a:ext>
+            </a:extLst>
+          </p:cNvPr>
+          <p:cNvSpPr/>
+          <p:nvPr/>
+        </p:nvSpPr>
+        <p:spPr>
+          <a:xfrm>
+            <a:off x="636275" y="7960617"/>
+            <a:ext cx="3657600" cy="499872"/>
+          </a:xfrm>
+          <a:prstGeom prst="rect">
+            <a:avLst/>
+          </a:prstGeom>
+          <a:gradFill>
+            <a:gsLst>
+              <a:gs pos="0">
+                <a:schemeClr val="accent2"/>
+              </a:gs>
+              <a:gs pos="50000">
+                <a:schemeClr val="bg1"/>
+              </a:gs>
+              <a:gs pos="100000">
+                <a:schemeClr val="accent1"/>
+              </a:gs>
+            </a:gsLst>
+            <a:lin ang="21594000" scaled="0"/>
+          </a:gradFill>
+          <a:ln>
+            <a:solidFill>
+              <a:schemeClr val="bg1">
+                <a:lumMod val="65000"/>
+              </a:schemeClr>
+            </a:solidFill>
+          </a:ln>
+        </p:spPr>
+        <p:style>
+          <a:lnRef idx="2">
+            <a:schemeClr val="accent1">
+              <a:shade val="50000"/>
+            </a:schemeClr>
+          </a:lnRef>
+          <a:fillRef idx="1">
+            <a:schemeClr val="accent1"/>
+          </a:fillRef>
+          <a:effectRef idx="0">
+            <a:schemeClr val="accent1"/>
+          </a:effectRef>
+          <a:fontRef idx="minor">
+            <a:schemeClr val="lt1"/>
+          </a:fontRef>
+        </p:style>
+        <p:txBody>
+          <a:bodyPr rtlCol="0" anchor="ctr"/>
+          <a:lstStyle/>
+          <a:p>
+            <a:pPr algn="ctr"/>
+            <a:endParaRPr lang="en-GB"/>
+          </a:p>
+        </p:txBody>
+      </p:sp>
+      <p:sp>
+        <p:nvSpPr>
+          <p:cNvPr id="5" name="TextBox 4">
+            <a:extLst>
+              <a:ext uri="{FF2B5EF4-FFF2-40B4-BE49-F238E27FC236}">
+                <a16:creationId xmlns:a16="http://schemas.microsoft.com/office/drawing/2014/main" id="{F9879191-D89B-45BC-8472-F69C54866178}"/>
+              </a:ext>
+            </a:extLst>
+          </p:cNvPr>
+          <p:cNvSpPr txBox="1"/>
+          <p:nvPr/>
+        </p:nvSpPr>
+        <p:spPr>
+          <a:xfrm>
+            <a:off x="32771" y="8025887"/>
+            <a:ext cx="688847" cy="369332"/>
+          </a:xfrm>
+          <a:prstGeom prst="rect">
+            <a:avLst/>
+          </a:prstGeom>
+          <a:noFill/>
+        </p:spPr>
+        <p:txBody>
+          <a:bodyPr wrap="square" rtlCol="0">
+            <a:spAutoFit/>
+          </a:bodyPr>
+          <a:lstStyle/>
+          <a:p>
+            <a:r>
+              <a:rPr lang="en-GB" dirty="0"/>
+              <a:t>Skill</a:t>
+            </a:r>
+          </a:p>
+        </p:txBody>
+      </p:sp>
+      <p:sp>
+        <p:nvSpPr>
+          <p:cNvPr id="6" name="TextBox 5">
+            <a:extLst>
+              <a:ext uri="{FF2B5EF4-FFF2-40B4-BE49-F238E27FC236}">
+                <a16:creationId xmlns:a16="http://schemas.microsoft.com/office/drawing/2014/main" id="{361F024A-3BD9-4521-865C-C06796BC7D84}"/>
+              </a:ext>
+            </a:extLst>
+          </p:cNvPr>
+          <p:cNvSpPr txBox="1"/>
+          <p:nvPr/>
+        </p:nvSpPr>
+        <p:spPr>
+          <a:xfrm>
+            <a:off x="4303418" y="8013695"/>
+            <a:ext cx="688847" cy="369332"/>
+          </a:xfrm>
+          <a:prstGeom prst="rect">
+            <a:avLst/>
+          </a:prstGeom>
+          <a:noFill/>
+        </p:spPr>
+        <p:txBody>
+          <a:bodyPr wrap="square" rtlCol="0">
+            <a:spAutoFit/>
+          </a:bodyPr>
+          <a:lstStyle/>
+          <a:p>
+            <a:r>
+              <a:rPr lang="en-GB" dirty="0"/>
+              <a:t>Luck</a:t>
+            </a:r>
+          </a:p>
+        </p:txBody>
+      </p:sp>
+      <p:sp>
+        <p:nvSpPr>
+          <p:cNvPr id="7" name="Rectangle 6">
+            <a:extLst>
+              <a:ext uri="{FF2B5EF4-FFF2-40B4-BE49-F238E27FC236}">
+                <a16:creationId xmlns:a16="http://schemas.microsoft.com/office/drawing/2014/main" id="{A4BEB974-C75A-458C-83E4-E5EBF8CD1552}"/>
+              </a:ext>
+            </a:extLst>
+          </p:cNvPr>
+          <p:cNvSpPr/>
+          <p:nvPr/>
+        </p:nvSpPr>
+        <p:spPr>
+          <a:xfrm>
+            <a:off x="4885187" y="4257112"/>
+            <a:ext cx="4264550" cy="4215569"/>
+          </a:xfrm>
+          <a:prstGeom prst="rect">
+            <a:avLst/>
+          </a:prstGeom>
+          <a:solidFill>
+            <a:schemeClr val="bg1"/>
+          </a:solidFill>
+          <a:ln>
+            <a:noFill/>
+          </a:ln>
+        </p:spPr>
+        <p:style>
+          <a:lnRef idx="2">
+            <a:schemeClr val="accent1">
+              <a:shade val="50000"/>
+            </a:schemeClr>
+          </a:lnRef>
+          <a:fillRef idx="1">
+            <a:schemeClr val="accent1"/>
+          </a:fillRef>
+          <a:effectRef idx="0">
+            <a:schemeClr val="accent1"/>
+          </a:effectRef>
+          <a:fontRef idx="minor">
+            <a:schemeClr val="lt1"/>
+          </a:fontRef>
+        </p:style>
+        <p:txBody>
+          <a:bodyPr rtlCol="0" anchor="ctr"/>
+          <a:lstStyle/>
+          <a:p>
+            <a:pPr algn="ctr"/>
+            <a:endParaRPr lang="en-GB"/>
+          </a:p>
+        </p:txBody>
+      </p:sp>
     </p:spTree>
     <p:extLst>
       <p:ext uri="{BB962C8B-B14F-4D97-AF65-F5344CB8AC3E}">
@@ -5336,7 +5541,7 @@
           <a:p>
             <a:pPr algn="ctr"/>
             <a:r>
-              <a:rPr lang="en-GB" sz="8000" dirty="0" smtClean="0">
+              <a:rPr lang="en-GB" sz="8000" dirty="0">
                 <a:solidFill>
                   <a:schemeClr val="accent5"/>
                 </a:solidFill>
@@ -5588,26 +5793,17 @@
             </a:lvl9pPr>
           </a:lstStyle>
           <a:p>
-            <a:endParaRPr lang="en-GB" sz="1400" dirty="0" smtClean="0">
+            <a:endParaRPr lang="en-GB" sz="1400" dirty="0">
               <a:latin typeface="Brush King" panose="02000600000000000000" pitchFamily="50" charset="0"/>
             </a:endParaRPr>
           </a:p>
           <a:p>
             <a:r>
-              <a:rPr lang="en-GB" sz="1050" dirty="0" smtClean="0">
+              <a:rPr lang="en-GB" sz="1050" dirty="0">
                 <a:latin typeface="Brush King" panose="02000600000000000000" pitchFamily="50" charset="0"/>
               </a:rPr>
-              <a:t>brought </a:t>
-            </a:r>
-            <a:r>
-              <a:rPr lang="en-GB" sz="1050" dirty="0" smtClean="0">
-                <a:latin typeface="Brush King" panose="02000600000000000000" pitchFamily="50" charset="0"/>
-              </a:rPr>
-              <a:t>to you by the BDM lab</a:t>
-            </a:r>
-            <a:endParaRPr lang="en-GB" sz="1050" dirty="0">
-              <a:latin typeface="Brush King" panose="02000600000000000000" pitchFamily="50" charset="0"/>
-            </a:endParaRPr>
+              <a:t>brought to you by the BDM lab</a:t>
+            </a:r>
           </a:p>
         </p:txBody>
       </p:sp>
@@ -5710,7 +5906,7 @@
           <a:p>
             <a:pPr algn="ctr"/>
             <a:r>
-              <a:rPr lang="en-GB" sz="6600" dirty="0" smtClean="0">
+              <a:rPr lang="en-GB" sz="6600" dirty="0">
                 <a:solidFill>
                   <a:schemeClr val="accent5"/>
                 </a:solidFill>
@@ -5978,26 +6174,17 @@
             </a:lvl9pPr>
           </a:lstStyle>
           <a:p>
-            <a:endParaRPr lang="en-GB" sz="1400" dirty="0" smtClean="0">
+            <a:endParaRPr lang="en-GB" sz="1400" dirty="0">
               <a:latin typeface="Brush King" panose="02000600000000000000" pitchFamily="50" charset="0"/>
             </a:endParaRPr>
           </a:p>
           <a:p>
             <a:r>
-              <a:rPr lang="en-GB" sz="1050" dirty="0" smtClean="0">
+              <a:rPr lang="en-GB" sz="1050" dirty="0">
                 <a:latin typeface="Brush King" panose="02000600000000000000" pitchFamily="50" charset="0"/>
               </a:rPr>
-              <a:t>brought </a:t>
-            </a:r>
-            <a:r>
-              <a:rPr lang="en-GB" sz="1050" dirty="0" smtClean="0">
-                <a:latin typeface="Brush King" panose="02000600000000000000" pitchFamily="50" charset="0"/>
-              </a:rPr>
-              <a:t>to you by the BDM lab</a:t>
-            </a:r>
-            <a:endParaRPr lang="en-GB" sz="1050" dirty="0">
-              <a:latin typeface="Brush King" panose="02000600000000000000" pitchFamily="50" charset="0"/>
-            </a:endParaRPr>
+              <a:t>brought to you by the BDM lab</a:t>
+            </a:r>
           </a:p>
         </p:txBody>
       </p:sp>

--- a/images/Whack a mole.pptx
+++ b/images/Whack a mole.pptx
@@ -5,7 +5,7 @@
     <p:sldMasterId id="2147483648" r:id="rId1"/>
   </p:sldMasterIdLst>
   <p:notesMasterIdLst>
-    <p:notesMasterId r:id="rId9"/>
+    <p:notesMasterId r:id="rId10"/>
   </p:notesMasterIdLst>
   <p:sldIdLst>
     <p:sldId id="256" r:id="rId2"/>
@@ -15,6 +15,7 @@
     <p:sldId id="258" r:id="rId6"/>
     <p:sldId id="261" r:id="rId7"/>
     <p:sldId id="262" r:id="rId8"/>
+    <p:sldId id="263" r:id="rId9"/>
   </p:sldIdLst>
   <p:sldSz cx="12192000" cy="6858000"/>
   <p:notesSz cx="6858000" cy="9144000"/>
@@ -203,7 +204,7 @@
           <a:p>
             <a:fld id="{F8124032-DB74-4B24-9D6C-0DB73E286C2C}" type="datetimeFigureOut">
               <a:rPr lang="en-GB" smtClean="0"/>
-              <a:t>22/03/2021</a:t>
+              <a:t>01/05/2021</a:t>
             </a:fld>
             <a:endParaRPr lang="en-GB"/>
           </a:p>
@@ -729,6 +730,90 @@
 </p:notes>
 </file>
 
+<file path=ppt/notesSlides/notesSlide4.xml><?xml version="1.0" encoding="utf-8"?>
+<p:notes xmlns:a="http://schemas.openxmlformats.org/drawingml/2006/main" xmlns:r="http://schemas.openxmlformats.org/officeDocument/2006/relationships" xmlns:p="http://schemas.openxmlformats.org/presentationml/2006/main">
+  <p:cSld>
+    <p:spTree>
+      <p:nvGrpSpPr>
+        <p:cNvPr id="1" name=""/>
+        <p:cNvGrpSpPr/>
+        <p:nvPr/>
+      </p:nvGrpSpPr>
+      <p:grpSpPr>
+        <a:xfrm>
+          <a:off x="0" y="0"/>
+          <a:ext cx="0" cy="0"/>
+          <a:chOff x="0" y="0"/>
+          <a:chExt cx="0" cy="0"/>
+        </a:xfrm>
+      </p:grpSpPr>
+      <p:sp>
+        <p:nvSpPr>
+          <p:cNvPr id="2" name="Slide Image Placeholder 1"/>
+          <p:cNvSpPr>
+            <a:spLocks noGrp="1" noRot="1" noChangeAspect="1"/>
+          </p:cNvSpPr>
+          <p:nvPr>
+            <p:ph type="sldImg"/>
+          </p:nvPr>
+        </p:nvSpPr>
+        <p:spPr/>
+      </p:sp>
+      <p:sp>
+        <p:nvSpPr>
+          <p:cNvPr id="3" name="Notes Placeholder 2"/>
+          <p:cNvSpPr>
+            <a:spLocks noGrp="1"/>
+          </p:cNvSpPr>
+          <p:nvPr>
+            <p:ph type="body" idx="1"/>
+          </p:nvPr>
+        </p:nvSpPr>
+        <p:spPr/>
+        <p:txBody>
+          <a:bodyPr/>
+          <a:lstStyle/>
+          <a:p>
+            <a:endParaRPr lang="en-GB" dirty="0"/>
+          </a:p>
+        </p:txBody>
+      </p:sp>
+      <p:sp>
+        <p:nvSpPr>
+          <p:cNvPr id="4" name="Slide Number Placeholder 3"/>
+          <p:cNvSpPr>
+            <a:spLocks noGrp="1"/>
+          </p:cNvSpPr>
+          <p:nvPr>
+            <p:ph type="sldNum" sz="quarter" idx="5"/>
+          </p:nvPr>
+        </p:nvSpPr>
+        <p:spPr/>
+        <p:txBody>
+          <a:bodyPr/>
+          <a:lstStyle/>
+          <a:p>
+            <a:fld id="{13A7C749-0C7C-41A0-A350-DD69ADBF1AD8}" type="slidenum">
+              <a:rPr lang="en-GB" smtClean="0"/>
+              <a:t>8</a:t>
+            </a:fld>
+            <a:endParaRPr lang="en-GB"/>
+          </a:p>
+        </p:txBody>
+      </p:sp>
+    </p:spTree>
+    <p:extLst>
+      <p:ext uri="{BB962C8B-B14F-4D97-AF65-F5344CB8AC3E}">
+        <p14:creationId xmlns:p14="http://schemas.microsoft.com/office/powerpoint/2010/main" val="780099270"/>
+      </p:ext>
+    </p:extLst>
+  </p:cSld>
+  <p:clrMapOvr>
+    <a:masterClrMapping/>
+  </p:clrMapOvr>
+</p:notes>
+</file>
+
 <file path=ppt/slideLayouts/slideLayout1.xml><?xml version="1.0" encoding="utf-8"?>
 <p:sldLayout xmlns:a="http://schemas.openxmlformats.org/drawingml/2006/main" xmlns:r="http://schemas.openxmlformats.org/officeDocument/2006/relationships" xmlns:p="http://schemas.openxmlformats.org/presentationml/2006/main" type="title" preserve="1">
   <p:cSld name="Title Slide">
@@ -860,7 +945,7 @@
           <a:p>
             <a:fld id="{AD5A3EC8-63D0-49CB-ABB2-40C0A298F0AD}" type="datetimeFigureOut">
               <a:rPr lang="en-GB" smtClean="0"/>
-              <a:t>22/03/2021</a:t>
+              <a:t>01/05/2021</a:t>
             </a:fld>
             <a:endParaRPr lang="en-GB"/>
           </a:p>
@@ -1030,7 +1115,7 @@
           <a:p>
             <a:fld id="{AD5A3EC8-63D0-49CB-ABB2-40C0A298F0AD}" type="datetimeFigureOut">
               <a:rPr lang="en-GB" smtClean="0"/>
-              <a:t>22/03/2021</a:t>
+              <a:t>01/05/2021</a:t>
             </a:fld>
             <a:endParaRPr lang="en-GB"/>
           </a:p>
@@ -1210,7 +1295,7 @@
           <a:p>
             <a:fld id="{AD5A3EC8-63D0-49CB-ABB2-40C0A298F0AD}" type="datetimeFigureOut">
               <a:rPr lang="en-GB" smtClean="0"/>
-              <a:t>22/03/2021</a:t>
+              <a:t>01/05/2021</a:t>
             </a:fld>
             <a:endParaRPr lang="en-GB"/>
           </a:p>
@@ -1380,7 +1465,7 @@
           <a:p>
             <a:fld id="{AD5A3EC8-63D0-49CB-ABB2-40C0A298F0AD}" type="datetimeFigureOut">
               <a:rPr lang="en-GB" smtClean="0"/>
-              <a:t>22/03/2021</a:t>
+              <a:t>01/05/2021</a:t>
             </a:fld>
             <a:endParaRPr lang="en-GB"/>
           </a:p>
@@ -1626,7 +1711,7 @@
           <a:p>
             <a:fld id="{AD5A3EC8-63D0-49CB-ABB2-40C0A298F0AD}" type="datetimeFigureOut">
               <a:rPr lang="en-GB" smtClean="0"/>
-              <a:t>22/03/2021</a:t>
+              <a:t>01/05/2021</a:t>
             </a:fld>
             <a:endParaRPr lang="en-GB"/>
           </a:p>
@@ -1858,7 +1943,7 @@
           <a:p>
             <a:fld id="{AD5A3EC8-63D0-49CB-ABB2-40C0A298F0AD}" type="datetimeFigureOut">
               <a:rPr lang="en-GB" smtClean="0"/>
-              <a:t>22/03/2021</a:t>
+              <a:t>01/05/2021</a:t>
             </a:fld>
             <a:endParaRPr lang="en-GB"/>
           </a:p>
@@ -2225,7 +2310,7 @@
           <a:p>
             <a:fld id="{AD5A3EC8-63D0-49CB-ABB2-40C0A298F0AD}" type="datetimeFigureOut">
               <a:rPr lang="en-GB" smtClean="0"/>
-              <a:t>22/03/2021</a:t>
+              <a:t>01/05/2021</a:t>
             </a:fld>
             <a:endParaRPr lang="en-GB"/>
           </a:p>
@@ -2343,7 +2428,7 @@
           <a:p>
             <a:fld id="{AD5A3EC8-63D0-49CB-ABB2-40C0A298F0AD}" type="datetimeFigureOut">
               <a:rPr lang="en-GB" smtClean="0"/>
-              <a:t>22/03/2021</a:t>
+              <a:t>01/05/2021</a:t>
             </a:fld>
             <a:endParaRPr lang="en-GB"/>
           </a:p>
@@ -2438,7 +2523,7 @@
           <a:p>
             <a:fld id="{AD5A3EC8-63D0-49CB-ABB2-40C0A298F0AD}" type="datetimeFigureOut">
               <a:rPr lang="en-GB" smtClean="0"/>
-              <a:t>22/03/2021</a:t>
+              <a:t>01/05/2021</a:t>
             </a:fld>
             <a:endParaRPr lang="en-GB"/>
           </a:p>
@@ -2715,7 +2800,7 @@
           <a:p>
             <a:fld id="{AD5A3EC8-63D0-49CB-ABB2-40C0A298F0AD}" type="datetimeFigureOut">
               <a:rPr lang="en-GB" smtClean="0"/>
-              <a:t>22/03/2021</a:t>
+              <a:t>01/05/2021</a:t>
             </a:fld>
             <a:endParaRPr lang="en-GB"/>
           </a:p>
@@ -2968,7 +3053,7 @@
           <a:p>
             <a:fld id="{AD5A3EC8-63D0-49CB-ABB2-40C0A298F0AD}" type="datetimeFigureOut">
               <a:rPr lang="en-GB" smtClean="0"/>
-              <a:t>22/03/2021</a:t>
+              <a:t>01/05/2021</a:t>
             </a:fld>
             <a:endParaRPr lang="en-GB"/>
           </a:p>
@@ -3181,7 +3266,7 @@
           <a:p>
             <a:fld id="{AD5A3EC8-63D0-49CB-ABB2-40C0A298F0AD}" type="datetimeFigureOut">
               <a:rPr lang="en-GB" smtClean="0"/>
-              <a:t>22/03/2021</a:t>
+              <a:t>01/05/2021</a:t>
             </a:fld>
             <a:endParaRPr lang="en-GB"/>
           </a:p>
@@ -6201,6 +6286,718 @@
 </p:sld>
 </file>
 
+<file path=ppt/slides/slide8.xml><?xml version="1.0" encoding="utf-8"?>
+<p:sld xmlns:a="http://schemas.openxmlformats.org/drawingml/2006/main" xmlns:r="http://schemas.openxmlformats.org/officeDocument/2006/relationships" xmlns:p="http://schemas.openxmlformats.org/presentationml/2006/main">
+  <p:cSld>
+    <p:spTree>
+      <p:nvGrpSpPr>
+        <p:cNvPr id="1" name=""/>
+        <p:cNvGrpSpPr/>
+        <p:nvPr/>
+      </p:nvGrpSpPr>
+      <p:grpSpPr>
+        <a:xfrm>
+          <a:off x="0" y="0"/>
+          <a:ext cx="0" cy="0"/>
+          <a:chOff x="0" y="0"/>
+          <a:chExt cx="0" cy="0"/>
+        </a:xfrm>
+      </p:grpSpPr>
+      <p:sp>
+        <p:nvSpPr>
+          <p:cNvPr id="4" name="Oval 3">
+            <a:extLst>
+              <a:ext uri="{FF2B5EF4-FFF2-40B4-BE49-F238E27FC236}">
+                <a16:creationId xmlns:a16="http://schemas.microsoft.com/office/drawing/2014/main" id="{F29687EB-EB02-4CF5-A82B-DE96513BAF6C}"/>
+              </a:ext>
+            </a:extLst>
+          </p:cNvPr>
+          <p:cNvSpPr/>
+          <p:nvPr/>
+        </p:nvSpPr>
+        <p:spPr>
+          <a:xfrm>
+            <a:off x="867508" y="855785"/>
+            <a:ext cx="2414954" cy="1207477"/>
+          </a:xfrm>
+          <a:prstGeom prst="ellipse">
+            <a:avLst/>
+          </a:prstGeom>
+          <a:solidFill>
+            <a:schemeClr val="bg1"/>
+          </a:solidFill>
+          <a:ln>
+            <a:solidFill>
+              <a:srgbClr val="FF0000"/>
+            </a:solidFill>
+          </a:ln>
+        </p:spPr>
+        <p:style>
+          <a:lnRef idx="2">
+            <a:schemeClr val="accent1">
+              <a:shade val="50000"/>
+            </a:schemeClr>
+          </a:lnRef>
+          <a:fillRef idx="1">
+            <a:schemeClr val="accent1"/>
+          </a:fillRef>
+          <a:effectRef idx="0">
+            <a:schemeClr val="accent1"/>
+          </a:effectRef>
+          <a:fontRef idx="minor">
+            <a:schemeClr val="lt1"/>
+          </a:fontRef>
+        </p:style>
+        <p:txBody>
+          <a:bodyPr rtlCol="0" anchor="ctr"/>
+          <a:lstStyle/>
+          <a:p>
+            <a:pPr algn="ctr"/>
+            <a:r>
+              <a:rPr lang="en-GB" sz="6000" dirty="0">
+                <a:solidFill>
+                  <a:schemeClr val="tx1"/>
+                </a:solidFill>
+                <a:latin typeface="Comic Sans MS" panose="030F0702030302020204" pitchFamily="66" charset="0"/>
+              </a:rPr>
+              <a:t>10</a:t>
+            </a:r>
+          </a:p>
+        </p:txBody>
+      </p:sp>
+      <p:sp>
+        <p:nvSpPr>
+          <p:cNvPr id="5" name="Oval 4">
+            <a:extLst>
+              <a:ext uri="{FF2B5EF4-FFF2-40B4-BE49-F238E27FC236}">
+                <a16:creationId xmlns:a16="http://schemas.microsoft.com/office/drawing/2014/main" id="{E930AA88-3749-4492-B91C-86313B25B880}"/>
+              </a:ext>
+            </a:extLst>
+          </p:cNvPr>
+          <p:cNvSpPr/>
+          <p:nvPr/>
+        </p:nvSpPr>
+        <p:spPr>
+          <a:xfrm>
+            <a:off x="3927231" y="855784"/>
+            <a:ext cx="2414954" cy="1207477"/>
+          </a:xfrm>
+          <a:prstGeom prst="ellipse">
+            <a:avLst/>
+          </a:prstGeom>
+          <a:solidFill>
+            <a:schemeClr val="bg1"/>
+          </a:solidFill>
+          <a:ln>
+            <a:solidFill>
+              <a:srgbClr val="FF0000"/>
+            </a:solidFill>
+          </a:ln>
+        </p:spPr>
+        <p:style>
+          <a:lnRef idx="2">
+            <a:schemeClr val="accent1">
+              <a:shade val="50000"/>
+            </a:schemeClr>
+          </a:lnRef>
+          <a:fillRef idx="1">
+            <a:schemeClr val="accent1"/>
+          </a:fillRef>
+          <a:effectRef idx="0">
+            <a:schemeClr val="accent1"/>
+          </a:effectRef>
+          <a:fontRef idx="minor">
+            <a:schemeClr val="lt1"/>
+          </a:fontRef>
+        </p:style>
+        <p:txBody>
+          <a:bodyPr rtlCol="0" anchor="ctr"/>
+          <a:lstStyle/>
+          <a:p>
+            <a:pPr algn="ctr"/>
+            <a:r>
+              <a:rPr lang="en-GB" sz="6000" dirty="0">
+                <a:solidFill>
+                  <a:schemeClr val="tx1"/>
+                </a:solidFill>
+                <a:latin typeface="Comic Sans MS" panose="030F0702030302020204" pitchFamily="66" charset="0"/>
+              </a:rPr>
+              <a:t>9</a:t>
+            </a:r>
+          </a:p>
+        </p:txBody>
+      </p:sp>
+      <p:sp>
+        <p:nvSpPr>
+          <p:cNvPr id="6" name="Oval 5">
+            <a:extLst>
+              <a:ext uri="{FF2B5EF4-FFF2-40B4-BE49-F238E27FC236}">
+                <a16:creationId xmlns:a16="http://schemas.microsoft.com/office/drawing/2014/main" id="{9E6CFC7C-AE77-4A80-976C-22D89AC9E9C2}"/>
+              </a:ext>
+            </a:extLst>
+          </p:cNvPr>
+          <p:cNvSpPr/>
+          <p:nvPr/>
+        </p:nvSpPr>
+        <p:spPr>
+          <a:xfrm>
+            <a:off x="7104185" y="855784"/>
+            <a:ext cx="2414954" cy="1207477"/>
+          </a:xfrm>
+          <a:prstGeom prst="ellipse">
+            <a:avLst/>
+          </a:prstGeom>
+          <a:solidFill>
+            <a:schemeClr val="bg1"/>
+          </a:solidFill>
+          <a:ln>
+            <a:solidFill>
+              <a:srgbClr val="FF0000"/>
+            </a:solidFill>
+          </a:ln>
+        </p:spPr>
+        <p:style>
+          <a:lnRef idx="2">
+            <a:schemeClr val="accent1">
+              <a:shade val="50000"/>
+            </a:schemeClr>
+          </a:lnRef>
+          <a:fillRef idx="1">
+            <a:schemeClr val="accent1"/>
+          </a:fillRef>
+          <a:effectRef idx="0">
+            <a:schemeClr val="accent1"/>
+          </a:effectRef>
+          <a:fontRef idx="minor">
+            <a:schemeClr val="lt1"/>
+          </a:fontRef>
+        </p:style>
+        <p:txBody>
+          <a:bodyPr rtlCol="0" anchor="ctr"/>
+          <a:lstStyle/>
+          <a:p>
+            <a:pPr algn="ctr"/>
+            <a:r>
+              <a:rPr lang="en-GB" sz="6000" dirty="0">
+                <a:solidFill>
+                  <a:schemeClr val="tx1"/>
+                </a:solidFill>
+                <a:latin typeface="Comic Sans MS" panose="030F0702030302020204" pitchFamily="66" charset="0"/>
+              </a:rPr>
+              <a:t>8</a:t>
+            </a:r>
+          </a:p>
+        </p:txBody>
+      </p:sp>
+      <p:sp>
+        <p:nvSpPr>
+          <p:cNvPr id="7" name="Oval 6">
+            <a:extLst>
+              <a:ext uri="{FF2B5EF4-FFF2-40B4-BE49-F238E27FC236}">
+                <a16:creationId xmlns:a16="http://schemas.microsoft.com/office/drawing/2014/main" id="{89372179-706D-459E-BD58-5EEB3BC1F1F3}"/>
+              </a:ext>
+            </a:extLst>
+          </p:cNvPr>
+          <p:cNvSpPr/>
+          <p:nvPr/>
+        </p:nvSpPr>
+        <p:spPr>
+          <a:xfrm>
+            <a:off x="867508" y="2672861"/>
+            <a:ext cx="2414954" cy="1207477"/>
+          </a:xfrm>
+          <a:prstGeom prst="ellipse">
+            <a:avLst/>
+          </a:prstGeom>
+          <a:solidFill>
+            <a:schemeClr val="bg1"/>
+          </a:solidFill>
+          <a:ln>
+            <a:solidFill>
+              <a:srgbClr val="FF0000"/>
+            </a:solidFill>
+          </a:ln>
+        </p:spPr>
+        <p:style>
+          <a:lnRef idx="2">
+            <a:schemeClr val="accent1">
+              <a:shade val="50000"/>
+            </a:schemeClr>
+          </a:lnRef>
+          <a:fillRef idx="1">
+            <a:schemeClr val="accent1"/>
+          </a:fillRef>
+          <a:effectRef idx="0">
+            <a:schemeClr val="accent1"/>
+          </a:effectRef>
+          <a:fontRef idx="minor">
+            <a:schemeClr val="lt1"/>
+          </a:fontRef>
+        </p:style>
+        <p:txBody>
+          <a:bodyPr rtlCol="0" anchor="ctr"/>
+          <a:lstStyle/>
+          <a:p>
+            <a:pPr algn="ctr"/>
+            <a:r>
+              <a:rPr lang="en-GB" sz="6000" dirty="0">
+                <a:solidFill>
+                  <a:schemeClr val="tx1"/>
+                </a:solidFill>
+                <a:latin typeface="Comic Sans MS" panose="030F0702030302020204" pitchFamily="66" charset="0"/>
+              </a:rPr>
+              <a:t>7</a:t>
+            </a:r>
+          </a:p>
+        </p:txBody>
+      </p:sp>
+      <p:sp>
+        <p:nvSpPr>
+          <p:cNvPr id="8" name="Oval 7">
+            <a:extLst>
+              <a:ext uri="{FF2B5EF4-FFF2-40B4-BE49-F238E27FC236}">
+                <a16:creationId xmlns:a16="http://schemas.microsoft.com/office/drawing/2014/main" id="{D3E0194C-61BF-4436-9B58-E9E7AE682395}"/>
+              </a:ext>
+            </a:extLst>
+          </p:cNvPr>
+          <p:cNvSpPr/>
+          <p:nvPr/>
+        </p:nvSpPr>
+        <p:spPr>
+          <a:xfrm>
+            <a:off x="3927231" y="2672861"/>
+            <a:ext cx="2414954" cy="1207477"/>
+          </a:xfrm>
+          <a:prstGeom prst="ellipse">
+            <a:avLst/>
+          </a:prstGeom>
+          <a:solidFill>
+            <a:schemeClr val="bg1"/>
+          </a:solidFill>
+          <a:ln>
+            <a:solidFill>
+              <a:srgbClr val="FF0000"/>
+            </a:solidFill>
+          </a:ln>
+        </p:spPr>
+        <p:style>
+          <a:lnRef idx="2">
+            <a:schemeClr val="accent1">
+              <a:shade val="50000"/>
+            </a:schemeClr>
+          </a:lnRef>
+          <a:fillRef idx="1">
+            <a:schemeClr val="accent1"/>
+          </a:fillRef>
+          <a:effectRef idx="0">
+            <a:schemeClr val="accent1"/>
+          </a:effectRef>
+          <a:fontRef idx="minor">
+            <a:schemeClr val="lt1"/>
+          </a:fontRef>
+        </p:style>
+        <p:txBody>
+          <a:bodyPr rtlCol="0" anchor="ctr"/>
+          <a:lstStyle/>
+          <a:p>
+            <a:pPr algn="ctr"/>
+            <a:r>
+              <a:rPr lang="en-GB" sz="6000" dirty="0">
+                <a:solidFill>
+                  <a:schemeClr val="tx1"/>
+                </a:solidFill>
+                <a:latin typeface="Comic Sans MS" panose="030F0702030302020204" pitchFamily="66" charset="0"/>
+              </a:rPr>
+              <a:t>6</a:t>
+            </a:r>
+          </a:p>
+        </p:txBody>
+      </p:sp>
+      <p:sp>
+        <p:nvSpPr>
+          <p:cNvPr id="9" name="Oval 8">
+            <a:extLst>
+              <a:ext uri="{FF2B5EF4-FFF2-40B4-BE49-F238E27FC236}">
+                <a16:creationId xmlns:a16="http://schemas.microsoft.com/office/drawing/2014/main" id="{0E0CFAE3-54D8-421E-BA06-275843068166}"/>
+              </a:ext>
+            </a:extLst>
+          </p:cNvPr>
+          <p:cNvSpPr/>
+          <p:nvPr/>
+        </p:nvSpPr>
+        <p:spPr>
+          <a:xfrm>
+            <a:off x="7104185" y="2672860"/>
+            <a:ext cx="2414954" cy="1207477"/>
+          </a:xfrm>
+          <a:prstGeom prst="ellipse">
+            <a:avLst/>
+          </a:prstGeom>
+          <a:solidFill>
+            <a:schemeClr val="bg1"/>
+          </a:solidFill>
+          <a:ln>
+            <a:solidFill>
+              <a:srgbClr val="FF0000"/>
+            </a:solidFill>
+          </a:ln>
+        </p:spPr>
+        <p:style>
+          <a:lnRef idx="2">
+            <a:schemeClr val="accent1">
+              <a:shade val="50000"/>
+            </a:schemeClr>
+          </a:lnRef>
+          <a:fillRef idx="1">
+            <a:schemeClr val="accent1"/>
+          </a:fillRef>
+          <a:effectRef idx="0">
+            <a:schemeClr val="accent1"/>
+          </a:effectRef>
+          <a:fontRef idx="minor">
+            <a:schemeClr val="lt1"/>
+          </a:fontRef>
+        </p:style>
+        <p:txBody>
+          <a:bodyPr rtlCol="0" anchor="ctr"/>
+          <a:lstStyle/>
+          <a:p>
+            <a:pPr algn="ctr"/>
+            <a:r>
+              <a:rPr lang="en-GB" sz="6000" dirty="0">
+                <a:solidFill>
+                  <a:schemeClr val="tx1"/>
+                </a:solidFill>
+                <a:latin typeface="Comic Sans MS" panose="030F0702030302020204" pitchFamily="66" charset="0"/>
+              </a:rPr>
+              <a:t>5</a:t>
+            </a:r>
+          </a:p>
+        </p:txBody>
+      </p:sp>
+      <p:sp>
+        <p:nvSpPr>
+          <p:cNvPr id="10" name="Oval 9">
+            <a:extLst>
+              <a:ext uri="{FF2B5EF4-FFF2-40B4-BE49-F238E27FC236}">
+                <a16:creationId xmlns:a16="http://schemas.microsoft.com/office/drawing/2014/main" id="{F1D11E34-0A4A-4A1B-A827-BAC2CD77ABEB}"/>
+              </a:ext>
+            </a:extLst>
+          </p:cNvPr>
+          <p:cNvSpPr/>
+          <p:nvPr/>
+        </p:nvSpPr>
+        <p:spPr>
+          <a:xfrm>
+            <a:off x="867508" y="4489937"/>
+            <a:ext cx="2414954" cy="1207477"/>
+          </a:xfrm>
+          <a:prstGeom prst="ellipse">
+            <a:avLst/>
+          </a:prstGeom>
+          <a:solidFill>
+            <a:schemeClr val="bg1"/>
+          </a:solidFill>
+          <a:ln>
+            <a:solidFill>
+              <a:srgbClr val="FF0000"/>
+            </a:solidFill>
+          </a:ln>
+        </p:spPr>
+        <p:style>
+          <a:lnRef idx="2">
+            <a:schemeClr val="accent1">
+              <a:shade val="50000"/>
+            </a:schemeClr>
+          </a:lnRef>
+          <a:fillRef idx="1">
+            <a:schemeClr val="accent1"/>
+          </a:fillRef>
+          <a:effectRef idx="0">
+            <a:schemeClr val="accent1"/>
+          </a:effectRef>
+          <a:fontRef idx="minor">
+            <a:schemeClr val="lt1"/>
+          </a:fontRef>
+        </p:style>
+        <p:txBody>
+          <a:bodyPr rtlCol="0" anchor="ctr"/>
+          <a:lstStyle/>
+          <a:p>
+            <a:pPr algn="ctr"/>
+            <a:r>
+              <a:rPr lang="en-GB" sz="6000" dirty="0">
+                <a:solidFill>
+                  <a:schemeClr val="tx1"/>
+                </a:solidFill>
+                <a:latin typeface="Comic Sans MS" panose="030F0702030302020204" pitchFamily="66" charset="0"/>
+              </a:rPr>
+              <a:t>4</a:t>
+            </a:r>
+          </a:p>
+        </p:txBody>
+      </p:sp>
+      <p:sp>
+        <p:nvSpPr>
+          <p:cNvPr id="11" name="Oval 10">
+            <a:extLst>
+              <a:ext uri="{FF2B5EF4-FFF2-40B4-BE49-F238E27FC236}">
+                <a16:creationId xmlns:a16="http://schemas.microsoft.com/office/drawing/2014/main" id="{42A5E897-2F08-4827-96A5-264B0F59C36E}"/>
+              </a:ext>
+            </a:extLst>
+          </p:cNvPr>
+          <p:cNvSpPr/>
+          <p:nvPr/>
+        </p:nvSpPr>
+        <p:spPr>
+          <a:xfrm>
+            <a:off x="4044462" y="4489936"/>
+            <a:ext cx="2414954" cy="1207477"/>
+          </a:xfrm>
+          <a:prstGeom prst="ellipse">
+            <a:avLst/>
+          </a:prstGeom>
+          <a:solidFill>
+            <a:schemeClr val="bg1"/>
+          </a:solidFill>
+          <a:ln>
+            <a:solidFill>
+              <a:srgbClr val="FF0000"/>
+            </a:solidFill>
+          </a:ln>
+        </p:spPr>
+        <p:style>
+          <a:lnRef idx="2">
+            <a:schemeClr val="accent1">
+              <a:shade val="50000"/>
+            </a:schemeClr>
+          </a:lnRef>
+          <a:fillRef idx="1">
+            <a:schemeClr val="accent1"/>
+          </a:fillRef>
+          <a:effectRef idx="0">
+            <a:schemeClr val="accent1"/>
+          </a:effectRef>
+          <a:fontRef idx="minor">
+            <a:schemeClr val="lt1"/>
+          </a:fontRef>
+        </p:style>
+        <p:txBody>
+          <a:bodyPr rtlCol="0" anchor="ctr"/>
+          <a:lstStyle/>
+          <a:p>
+            <a:pPr algn="ctr"/>
+            <a:r>
+              <a:rPr lang="en-GB" sz="6000" dirty="0">
+                <a:solidFill>
+                  <a:schemeClr val="tx1"/>
+                </a:solidFill>
+                <a:latin typeface="Comic Sans MS" panose="030F0702030302020204" pitchFamily="66" charset="0"/>
+              </a:rPr>
+              <a:t>3</a:t>
+            </a:r>
+          </a:p>
+        </p:txBody>
+      </p:sp>
+      <p:sp>
+        <p:nvSpPr>
+          <p:cNvPr id="12" name="Oval 11">
+            <a:extLst>
+              <a:ext uri="{FF2B5EF4-FFF2-40B4-BE49-F238E27FC236}">
+                <a16:creationId xmlns:a16="http://schemas.microsoft.com/office/drawing/2014/main" id="{16E455CA-07C9-4480-A1E1-627D56F67508}"/>
+              </a:ext>
+            </a:extLst>
+          </p:cNvPr>
+          <p:cNvSpPr/>
+          <p:nvPr/>
+        </p:nvSpPr>
+        <p:spPr>
+          <a:xfrm>
+            <a:off x="7338647" y="4489935"/>
+            <a:ext cx="2414954" cy="1207477"/>
+          </a:xfrm>
+          <a:prstGeom prst="ellipse">
+            <a:avLst/>
+          </a:prstGeom>
+          <a:solidFill>
+            <a:schemeClr val="bg1"/>
+          </a:solidFill>
+          <a:ln>
+            <a:solidFill>
+              <a:srgbClr val="FF0000"/>
+            </a:solidFill>
+          </a:ln>
+        </p:spPr>
+        <p:style>
+          <a:lnRef idx="2">
+            <a:schemeClr val="accent1">
+              <a:shade val="50000"/>
+            </a:schemeClr>
+          </a:lnRef>
+          <a:fillRef idx="1">
+            <a:schemeClr val="accent1"/>
+          </a:fillRef>
+          <a:effectRef idx="0">
+            <a:schemeClr val="accent1"/>
+          </a:effectRef>
+          <a:fontRef idx="minor">
+            <a:schemeClr val="lt1"/>
+          </a:fontRef>
+        </p:style>
+        <p:txBody>
+          <a:bodyPr rtlCol="0" anchor="ctr"/>
+          <a:lstStyle/>
+          <a:p>
+            <a:pPr algn="ctr"/>
+            <a:r>
+              <a:rPr lang="en-GB" sz="6000" dirty="0">
+                <a:solidFill>
+                  <a:schemeClr val="tx1"/>
+                </a:solidFill>
+                <a:latin typeface="Comic Sans MS" panose="030F0702030302020204" pitchFamily="66" charset="0"/>
+              </a:rPr>
+              <a:t>2</a:t>
+            </a:r>
+          </a:p>
+        </p:txBody>
+      </p:sp>
+      <p:sp>
+        <p:nvSpPr>
+          <p:cNvPr id="13" name="Oval 12">
+            <a:extLst>
+              <a:ext uri="{FF2B5EF4-FFF2-40B4-BE49-F238E27FC236}">
+                <a16:creationId xmlns:a16="http://schemas.microsoft.com/office/drawing/2014/main" id="{B2B7AD05-B88A-4DB0-BEF7-C70AE66ECDA2}"/>
+              </a:ext>
+            </a:extLst>
+          </p:cNvPr>
+          <p:cNvSpPr/>
+          <p:nvPr/>
+        </p:nvSpPr>
+        <p:spPr>
+          <a:xfrm>
+            <a:off x="9519139" y="1764322"/>
+            <a:ext cx="2414954" cy="1207477"/>
+          </a:xfrm>
+          <a:prstGeom prst="ellipse">
+            <a:avLst/>
+          </a:prstGeom>
+          <a:solidFill>
+            <a:schemeClr val="bg1"/>
+          </a:solidFill>
+          <a:ln>
+            <a:solidFill>
+              <a:srgbClr val="FF0000"/>
+            </a:solidFill>
+          </a:ln>
+        </p:spPr>
+        <p:style>
+          <a:lnRef idx="2">
+            <a:schemeClr val="accent1">
+              <a:shade val="50000"/>
+            </a:schemeClr>
+          </a:lnRef>
+          <a:fillRef idx="1">
+            <a:schemeClr val="accent1"/>
+          </a:fillRef>
+          <a:effectRef idx="0">
+            <a:schemeClr val="accent1"/>
+          </a:effectRef>
+          <a:fontRef idx="minor">
+            <a:schemeClr val="lt1"/>
+          </a:fontRef>
+        </p:style>
+        <p:txBody>
+          <a:bodyPr rtlCol="0" anchor="ctr"/>
+          <a:lstStyle/>
+          <a:p>
+            <a:pPr algn="ctr"/>
+            <a:r>
+              <a:rPr lang="en-GB" sz="6000" dirty="0">
+                <a:solidFill>
+                  <a:schemeClr val="tx1"/>
+                </a:solidFill>
+                <a:latin typeface="Comic Sans MS" panose="030F0702030302020204" pitchFamily="66" charset="0"/>
+              </a:rPr>
+              <a:t>1</a:t>
+            </a:r>
+          </a:p>
+        </p:txBody>
+      </p:sp>
+      <p:sp>
+        <p:nvSpPr>
+          <p:cNvPr id="14" name="Oval 13">
+            <a:extLst>
+              <a:ext uri="{FF2B5EF4-FFF2-40B4-BE49-F238E27FC236}">
+                <a16:creationId xmlns:a16="http://schemas.microsoft.com/office/drawing/2014/main" id="{E956EA87-93CE-46B2-BE7A-2FABC1112748}"/>
+              </a:ext>
+            </a:extLst>
+          </p:cNvPr>
+          <p:cNvSpPr/>
+          <p:nvPr/>
+        </p:nvSpPr>
+        <p:spPr>
+          <a:xfrm>
+            <a:off x="9859108" y="3534507"/>
+            <a:ext cx="2414954" cy="1207477"/>
+          </a:xfrm>
+          <a:prstGeom prst="ellipse">
+            <a:avLst/>
+          </a:prstGeom>
+          <a:solidFill>
+            <a:schemeClr val="bg1"/>
+          </a:solidFill>
+          <a:ln>
+            <a:solidFill>
+              <a:srgbClr val="FF0000"/>
+            </a:solidFill>
+          </a:ln>
+        </p:spPr>
+        <p:style>
+          <a:lnRef idx="2">
+            <a:schemeClr val="accent1">
+              <a:shade val="50000"/>
+            </a:schemeClr>
+          </a:lnRef>
+          <a:fillRef idx="1">
+            <a:schemeClr val="accent1"/>
+          </a:fillRef>
+          <a:effectRef idx="0">
+            <a:schemeClr val="accent1"/>
+          </a:effectRef>
+          <a:fontRef idx="minor">
+            <a:schemeClr val="lt1"/>
+          </a:fontRef>
+        </p:style>
+        <p:txBody>
+          <a:bodyPr rtlCol="0" anchor="ctr"/>
+          <a:lstStyle/>
+          <a:p>
+            <a:pPr algn="ctr"/>
+            <a:r>
+              <a:rPr lang="en-GB" sz="6000" dirty="0">
+                <a:solidFill>
+                  <a:schemeClr val="tx1"/>
+                </a:solidFill>
+                <a:latin typeface="Comic Sans MS" panose="030F0702030302020204" pitchFamily="66" charset="0"/>
+              </a:rPr>
+              <a:t>0</a:t>
+            </a:r>
+          </a:p>
+        </p:txBody>
+      </p:sp>
+    </p:spTree>
+    <p:extLst>
+      <p:ext uri="{BB962C8B-B14F-4D97-AF65-F5344CB8AC3E}">
+        <p14:creationId xmlns:p14="http://schemas.microsoft.com/office/powerpoint/2010/main" val="767730716"/>
+      </p:ext>
+    </p:extLst>
+  </p:cSld>
+  <p:clrMapOvr>
+    <a:masterClrMapping/>
+  </p:clrMapOvr>
+</p:sld>
+</file>
+
 <file path=ppt/theme/theme1.xml><?xml version="1.0" encoding="utf-8"?>
 <a:theme xmlns:a="http://schemas.openxmlformats.org/drawingml/2006/main" name="Office Theme">
   <a:themeElements>

--- a/images/Whack a mole.pptx
+++ b/images/Whack a mole.pptx
@@ -204,7 +204,7 @@
           <a:p>
             <a:fld id="{F8124032-DB74-4B24-9D6C-0DB73E286C2C}" type="datetimeFigureOut">
               <a:rPr lang="en-GB" smtClean="0"/>
-              <a:t>01/05/2021</a:t>
+              <a:t>24/06/2021</a:t>
             </a:fld>
             <a:endParaRPr lang="en-GB"/>
           </a:p>
@@ -945,7 +945,7 @@
           <a:p>
             <a:fld id="{AD5A3EC8-63D0-49CB-ABB2-40C0A298F0AD}" type="datetimeFigureOut">
               <a:rPr lang="en-GB" smtClean="0"/>
-              <a:t>01/05/2021</a:t>
+              <a:t>24/06/2021</a:t>
             </a:fld>
             <a:endParaRPr lang="en-GB"/>
           </a:p>
@@ -1115,7 +1115,7 @@
           <a:p>
             <a:fld id="{AD5A3EC8-63D0-49CB-ABB2-40C0A298F0AD}" type="datetimeFigureOut">
               <a:rPr lang="en-GB" smtClean="0"/>
-              <a:t>01/05/2021</a:t>
+              <a:t>24/06/2021</a:t>
             </a:fld>
             <a:endParaRPr lang="en-GB"/>
           </a:p>
@@ -1295,7 +1295,7 @@
           <a:p>
             <a:fld id="{AD5A3EC8-63D0-49CB-ABB2-40C0A298F0AD}" type="datetimeFigureOut">
               <a:rPr lang="en-GB" smtClean="0"/>
-              <a:t>01/05/2021</a:t>
+              <a:t>24/06/2021</a:t>
             </a:fld>
             <a:endParaRPr lang="en-GB"/>
           </a:p>
@@ -1465,7 +1465,7 @@
           <a:p>
             <a:fld id="{AD5A3EC8-63D0-49CB-ABB2-40C0A298F0AD}" type="datetimeFigureOut">
               <a:rPr lang="en-GB" smtClean="0"/>
-              <a:t>01/05/2021</a:t>
+              <a:t>24/06/2021</a:t>
             </a:fld>
             <a:endParaRPr lang="en-GB"/>
           </a:p>
@@ -1711,7 +1711,7 @@
           <a:p>
             <a:fld id="{AD5A3EC8-63D0-49CB-ABB2-40C0A298F0AD}" type="datetimeFigureOut">
               <a:rPr lang="en-GB" smtClean="0"/>
-              <a:t>01/05/2021</a:t>
+              <a:t>24/06/2021</a:t>
             </a:fld>
             <a:endParaRPr lang="en-GB"/>
           </a:p>
@@ -1943,7 +1943,7 @@
           <a:p>
             <a:fld id="{AD5A3EC8-63D0-49CB-ABB2-40C0A298F0AD}" type="datetimeFigureOut">
               <a:rPr lang="en-GB" smtClean="0"/>
-              <a:t>01/05/2021</a:t>
+              <a:t>24/06/2021</a:t>
             </a:fld>
             <a:endParaRPr lang="en-GB"/>
           </a:p>
@@ -2310,7 +2310,7 @@
           <a:p>
             <a:fld id="{AD5A3EC8-63D0-49CB-ABB2-40C0A298F0AD}" type="datetimeFigureOut">
               <a:rPr lang="en-GB" smtClean="0"/>
-              <a:t>01/05/2021</a:t>
+              <a:t>24/06/2021</a:t>
             </a:fld>
             <a:endParaRPr lang="en-GB"/>
           </a:p>
@@ -2428,7 +2428,7 @@
           <a:p>
             <a:fld id="{AD5A3EC8-63D0-49CB-ABB2-40C0A298F0AD}" type="datetimeFigureOut">
               <a:rPr lang="en-GB" smtClean="0"/>
-              <a:t>01/05/2021</a:t>
+              <a:t>24/06/2021</a:t>
             </a:fld>
             <a:endParaRPr lang="en-GB"/>
           </a:p>
@@ -2523,7 +2523,7 @@
           <a:p>
             <a:fld id="{AD5A3EC8-63D0-49CB-ABB2-40C0A298F0AD}" type="datetimeFigureOut">
               <a:rPr lang="en-GB" smtClean="0"/>
-              <a:t>01/05/2021</a:t>
+              <a:t>24/06/2021</a:t>
             </a:fld>
             <a:endParaRPr lang="en-GB"/>
           </a:p>
@@ -2800,7 +2800,7 @@
           <a:p>
             <a:fld id="{AD5A3EC8-63D0-49CB-ABB2-40C0A298F0AD}" type="datetimeFigureOut">
               <a:rPr lang="en-GB" smtClean="0"/>
-              <a:t>01/05/2021</a:t>
+              <a:t>24/06/2021</a:t>
             </a:fld>
             <a:endParaRPr lang="en-GB"/>
           </a:p>
@@ -3053,7 +3053,7 @@
           <a:p>
             <a:fld id="{AD5A3EC8-63D0-49CB-ABB2-40C0A298F0AD}" type="datetimeFigureOut">
               <a:rPr lang="en-GB" smtClean="0"/>
-              <a:t>01/05/2021</a:t>
+              <a:t>24/06/2021</a:t>
             </a:fld>
             <a:endParaRPr lang="en-GB"/>
           </a:p>
@@ -3266,7 +3266,7 @@
           <a:p>
             <a:fld id="{AD5A3EC8-63D0-49CB-ABB2-40C0A298F0AD}" type="datetimeFigureOut">
               <a:rPr lang="en-GB" smtClean="0"/>
-              <a:t>01/05/2021</a:t>
+              <a:t>24/06/2021</a:t>
             </a:fld>
             <a:endParaRPr lang="en-GB"/>
           </a:p>
@@ -5520,6 +5520,78 @@
           </a:p>
         </p:txBody>
       </p:sp>
+      <p:pic>
+        <p:nvPicPr>
+          <p:cNvPr id="8" name="Picture 7" descr="Graphical user interface, application&#10;&#10;Description automatically generated with medium confidence">
+            <a:extLst>
+              <a:ext uri="{FF2B5EF4-FFF2-40B4-BE49-F238E27FC236}">
+                <a16:creationId xmlns:a16="http://schemas.microsoft.com/office/drawing/2014/main" id="{696C9769-6826-4D34-9141-9D815713AAF4}"/>
+              </a:ext>
+            </a:extLst>
+          </p:cNvPr>
+          <p:cNvPicPr>
+            <a:picLocks noChangeAspect="1"/>
+          </p:cNvPicPr>
+          <p:nvPr/>
+        </p:nvPicPr>
+        <p:blipFill>
+          <a:blip r:embed="rId4">
+            <a:extLst>
+              <a:ext uri="{28A0092B-C50C-407E-A947-70E740481C1C}">
+                <a14:useLocalDpi xmlns:a14="http://schemas.microsoft.com/office/drawing/2010/main" val="0"/>
+              </a:ext>
+            </a:extLst>
+          </a:blip>
+          <a:stretch>
+            <a:fillRect/>
+          </a:stretch>
+        </p:blipFill>
+        <p:spPr>
+          <a:xfrm>
+            <a:off x="-12782" y="-1"/>
+            <a:ext cx="11237922" cy="5220000"/>
+          </a:xfrm>
+          <a:prstGeom prst="rect">
+            <a:avLst/>
+          </a:prstGeom>
+        </p:spPr>
+      </p:pic>
+      <p:pic>
+        <p:nvPicPr>
+          <p:cNvPr id="10" name="Picture 9" descr="A picture containing text&#10;&#10;Description automatically generated">
+            <a:extLst>
+              <a:ext uri="{FF2B5EF4-FFF2-40B4-BE49-F238E27FC236}">
+                <a16:creationId xmlns:a16="http://schemas.microsoft.com/office/drawing/2014/main" id="{13479E2E-BEEB-4041-B73A-574DE24A7BDE}"/>
+              </a:ext>
+            </a:extLst>
+          </p:cNvPr>
+          <p:cNvPicPr>
+            <a:picLocks noChangeAspect="1"/>
+          </p:cNvPicPr>
+          <p:nvPr/>
+        </p:nvPicPr>
+        <p:blipFill>
+          <a:blip r:embed="rId5">
+            <a:extLst>
+              <a:ext uri="{28A0092B-C50C-407E-A947-70E740481C1C}">
+                <a14:useLocalDpi xmlns:a14="http://schemas.microsoft.com/office/drawing/2010/main" val="0"/>
+              </a:ext>
+            </a:extLst>
+          </a:blip>
+          <a:stretch>
+            <a:fillRect/>
+          </a:stretch>
+        </p:blipFill>
+        <p:spPr>
+          <a:xfrm>
+            <a:off x="-3225805" y="6446719"/>
+            <a:ext cx="15588000" cy="1948500"/>
+          </a:xfrm>
+          <a:prstGeom prst="rect">
+            <a:avLst/>
+          </a:prstGeom>
+        </p:spPr>
+      </p:pic>
     </p:spTree>
     <p:extLst>
       <p:ext uri="{BB962C8B-B14F-4D97-AF65-F5344CB8AC3E}">
